--- a/Images/Card_GamePresentation.pptx
+++ b/Images/Card_GamePresentation.pptx
@@ -5,27 +5,28 @@
     <p:sldMasterId id="2147483648" r:id="rId4"/>
   </p:sldMasterIdLst>
   <p:notesMasterIdLst>
-    <p:notesMasterId r:id="rId20"/>
+    <p:notesMasterId r:id="rId21"/>
   </p:notesMasterIdLst>
   <p:handoutMasterIdLst>
-    <p:handoutMasterId r:id="rId21"/>
+    <p:handoutMasterId r:id="rId22"/>
   </p:handoutMasterIdLst>
   <p:sldIdLst>
     <p:sldId id="282" r:id="rId5"/>
     <p:sldId id="283" r:id="rId6"/>
     <p:sldId id="284" r:id="rId7"/>
     <p:sldId id="300" r:id="rId8"/>
-    <p:sldId id="291" r:id="rId9"/>
-    <p:sldId id="292" r:id="rId10"/>
-    <p:sldId id="297" r:id="rId11"/>
-    <p:sldId id="298" r:id="rId12"/>
-    <p:sldId id="299" r:id="rId13"/>
-    <p:sldId id="305" r:id="rId14"/>
-    <p:sldId id="301" r:id="rId15"/>
-    <p:sldId id="302" r:id="rId16"/>
-    <p:sldId id="303" r:id="rId17"/>
-    <p:sldId id="304" r:id="rId18"/>
-    <p:sldId id="296" r:id="rId19"/>
+    <p:sldId id="306" r:id="rId9"/>
+    <p:sldId id="291" r:id="rId10"/>
+    <p:sldId id="292" r:id="rId11"/>
+    <p:sldId id="297" r:id="rId12"/>
+    <p:sldId id="298" r:id="rId13"/>
+    <p:sldId id="299" r:id="rId14"/>
+    <p:sldId id="305" r:id="rId15"/>
+    <p:sldId id="301" r:id="rId16"/>
+    <p:sldId id="302" r:id="rId17"/>
+    <p:sldId id="303" r:id="rId18"/>
+    <p:sldId id="304" r:id="rId19"/>
+    <p:sldId id="296" r:id="rId20"/>
   </p:sldIdLst>
   <p:sldSz cx="12192000" cy="6858000"/>
   <p:notesSz cx="6858000" cy="9144000"/>
@@ -831,7 +832,7 @@
     </p:spTree>
     <p:extLst>
       <p:ext uri="{BB962C8B-B14F-4D97-AF65-F5344CB8AC3E}">
-        <p14:creationId xmlns:p14="http://schemas.microsoft.com/office/powerpoint/2010/main" val="1447779365"/>
+        <p14:creationId xmlns:p14="http://schemas.microsoft.com/office/powerpoint/2010/main" val="539869678"/>
       </p:ext>
     </p:extLst>
   </p:cSld>
@@ -915,7 +916,7 @@
     </p:spTree>
     <p:extLst>
       <p:ext uri="{BB962C8B-B14F-4D97-AF65-F5344CB8AC3E}">
-        <p14:creationId xmlns:p14="http://schemas.microsoft.com/office/powerpoint/2010/main" val="2004863432"/>
+        <p14:creationId xmlns:p14="http://schemas.microsoft.com/office/powerpoint/2010/main" val="1447779365"/>
       </p:ext>
     </p:extLst>
   </p:cSld>
@@ -999,7 +1000,7 @@
     </p:spTree>
     <p:extLst>
       <p:ext uri="{BB962C8B-B14F-4D97-AF65-F5344CB8AC3E}">
-        <p14:creationId xmlns:p14="http://schemas.microsoft.com/office/powerpoint/2010/main" val="2648672037"/>
+        <p14:creationId xmlns:p14="http://schemas.microsoft.com/office/powerpoint/2010/main" val="2004863432"/>
       </p:ext>
     </p:extLst>
   </p:cSld>
@@ -1083,7 +1084,7 @@
     </p:spTree>
     <p:extLst>
       <p:ext uri="{BB962C8B-B14F-4D97-AF65-F5344CB8AC3E}">
-        <p14:creationId xmlns:p14="http://schemas.microsoft.com/office/powerpoint/2010/main" val="2527895453"/>
+        <p14:creationId xmlns:p14="http://schemas.microsoft.com/office/powerpoint/2010/main" val="2648672037"/>
       </p:ext>
     </p:extLst>
   </p:cSld>
@@ -1167,7 +1168,7 @@
     </p:spTree>
     <p:extLst>
       <p:ext uri="{BB962C8B-B14F-4D97-AF65-F5344CB8AC3E}">
-        <p14:creationId xmlns:p14="http://schemas.microsoft.com/office/powerpoint/2010/main" val="2128109044"/>
+        <p14:creationId xmlns:p14="http://schemas.microsoft.com/office/powerpoint/2010/main" val="2527895453"/>
       </p:ext>
     </p:extLst>
   </p:cSld>
@@ -1243,6 +1244,90 @@
             <a:fld id="{8530193B-564F-4854-8A52-728F3FB19C85}" type="slidenum">
               <a:rPr lang="en-US" noProof="0" smtClean="0"/>
               <a:t>15</a:t>
+            </a:fld>
+            <a:endParaRPr lang="en-US" noProof="0"/>
+          </a:p>
+        </p:txBody>
+      </p:sp>
+    </p:spTree>
+    <p:extLst>
+      <p:ext uri="{BB962C8B-B14F-4D97-AF65-F5344CB8AC3E}">
+        <p14:creationId xmlns:p14="http://schemas.microsoft.com/office/powerpoint/2010/main" val="2128109044"/>
+      </p:ext>
+    </p:extLst>
+  </p:cSld>
+  <p:clrMapOvr>
+    <a:masterClrMapping/>
+  </p:clrMapOvr>
+</p:notes>
+</file>
+
+<file path=ppt/notesSlides/notesSlide16.xml><?xml version="1.0" encoding="utf-8"?>
+<p:notes xmlns:a="http://schemas.openxmlformats.org/drawingml/2006/main" xmlns:r="http://schemas.openxmlformats.org/officeDocument/2006/relationships" xmlns:p="http://schemas.openxmlformats.org/presentationml/2006/main">
+  <p:cSld>
+    <p:spTree>
+      <p:nvGrpSpPr>
+        <p:cNvPr id="1" name=""/>
+        <p:cNvGrpSpPr/>
+        <p:nvPr/>
+      </p:nvGrpSpPr>
+      <p:grpSpPr>
+        <a:xfrm>
+          <a:off x="0" y="0"/>
+          <a:ext cx="0" cy="0"/>
+          <a:chOff x="0" y="0"/>
+          <a:chExt cx="0" cy="0"/>
+        </a:xfrm>
+      </p:grpSpPr>
+      <p:sp>
+        <p:nvSpPr>
+          <p:cNvPr id="2" name="Slide Image Placeholder 1"/>
+          <p:cNvSpPr>
+            <a:spLocks noGrp="1" noRot="1" noChangeAspect="1"/>
+          </p:cNvSpPr>
+          <p:nvPr>
+            <p:ph type="sldImg"/>
+          </p:nvPr>
+        </p:nvSpPr>
+        <p:spPr/>
+      </p:sp>
+      <p:sp>
+        <p:nvSpPr>
+          <p:cNvPr id="3" name="Notes Placeholder 2"/>
+          <p:cNvSpPr>
+            <a:spLocks noGrp="1"/>
+          </p:cNvSpPr>
+          <p:nvPr>
+            <p:ph type="body" idx="1"/>
+          </p:nvPr>
+        </p:nvSpPr>
+        <p:spPr/>
+        <p:txBody>
+          <a:bodyPr/>
+          <a:lstStyle/>
+          <a:p>
+            <a:endParaRPr lang="en-US"/>
+          </a:p>
+        </p:txBody>
+      </p:sp>
+      <p:sp>
+        <p:nvSpPr>
+          <p:cNvPr id="4" name="Slide Number Placeholder 3"/>
+          <p:cNvSpPr>
+            <a:spLocks noGrp="1"/>
+          </p:cNvSpPr>
+          <p:nvPr>
+            <p:ph type="sldNum" sz="quarter" idx="5"/>
+          </p:nvPr>
+        </p:nvSpPr>
+        <p:spPr/>
+        <p:txBody>
+          <a:bodyPr/>
+          <a:lstStyle/>
+          <a:p>
+            <a:fld id="{8530193B-564F-4854-8A52-728F3FB19C85}" type="slidenum">
+              <a:rPr lang="en-US" noProof="0" smtClean="0"/>
+              <a:t>16</a:t>
             </a:fld>
             <a:endParaRPr lang="en-US" noProof="0"/>
           </a:p>
@@ -1587,7 +1672,7 @@
     </p:spTree>
     <p:extLst>
       <p:ext uri="{BB962C8B-B14F-4D97-AF65-F5344CB8AC3E}">
-        <p14:creationId xmlns:p14="http://schemas.microsoft.com/office/powerpoint/2010/main" val="4007157388"/>
+        <p14:creationId xmlns:p14="http://schemas.microsoft.com/office/powerpoint/2010/main" val="1307106760"/>
       </p:ext>
     </p:extLst>
   </p:cSld>
@@ -1671,7 +1756,7 @@
     </p:spTree>
     <p:extLst>
       <p:ext uri="{BB962C8B-B14F-4D97-AF65-F5344CB8AC3E}">
-        <p14:creationId xmlns:p14="http://schemas.microsoft.com/office/powerpoint/2010/main" val="2457486648"/>
+        <p14:creationId xmlns:p14="http://schemas.microsoft.com/office/powerpoint/2010/main" val="4007157388"/>
       </p:ext>
     </p:extLst>
   </p:cSld>
@@ -1755,7 +1840,7 @@
     </p:spTree>
     <p:extLst>
       <p:ext uri="{BB962C8B-B14F-4D97-AF65-F5344CB8AC3E}">
-        <p14:creationId xmlns:p14="http://schemas.microsoft.com/office/powerpoint/2010/main" val="3706690753"/>
+        <p14:creationId xmlns:p14="http://schemas.microsoft.com/office/powerpoint/2010/main" val="2457486648"/>
       </p:ext>
     </p:extLst>
   </p:cSld>
@@ -1839,7 +1924,7 @@
     </p:spTree>
     <p:extLst>
       <p:ext uri="{BB962C8B-B14F-4D97-AF65-F5344CB8AC3E}">
-        <p14:creationId xmlns:p14="http://schemas.microsoft.com/office/powerpoint/2010/main" val="433729761"/>
+        <p14:creationId xmlns:p14="http://schemas.microsoft.com/office/powerpoint/2010/main" val="3706690753"/>
       </p:ext>
     </p:extLst>
   </p:cSld>
@@ -1923,7 +2008,7 @@
     </p:spTree>
     <p:extLst>
       <p:ext uri="{BB962C8B-B14F-4D97-AF65-F5344CB8AC3E}">
-        <p14:creationId xmlns:p14="http://schemas.microsoft.com/office/powerpoint/2010/main" val="539869678"/>
+        <p14:creationId xmlns:p14="http://schemas.microsoft.com/office/powerpoint/2010/main" val="433729761"/>
       </p:ext>
     </p:extLst>
   </p:cSld>
@@ -9239,6 +9324,15 @@
               </a:rPr>
               <a:t>PIERS</a:t>
             </a:r>
+            <a:r>
+              <a:rPr lang="en-US" sz="1600" b="1" spc="-100" dirty="0">
+                <a:solidFill>
+                  <a:schemeClr val="accent1"/>
+                </a:solidFill>
+                <a:latin typeface="Corbel" panose="020B0503020204020204" pitchFamily="34" charset="0"/>
+              </a:rPr>
+              <a:t/>
+            </a:r>
             <a:br>
               <a:rPr lang="en-US" sz="1600" b="1" spc="-100" dirty="0">
                 <a:solidFill>
@@ -9381,110 +9475,87 @@
       </p:grpSpPr>
       <p:sp>
         <p:nvSpPr>
-          <p:cNvPr id="2" name="Title 1">
-            <a:extLst>
-              <a:ext uri="{FF2B5EF4-FFF2-40B4-BE49-F238E27FC236}">
-                <a16:creationId xmlns:a16="http://schemas.microsoft.com/office/drawing/2014/main" id="{19304E83-A4F0-49C5-BB01-F5773509A2B3}"/>
-              </a:ext>
-            </a:extLst>
-          </p:cNvPr>
-          <p:cNvSpPr>
-            <a:spLocks noGrp="1"/>
-          </p:cNvSpPr>
-          <p:nvPr>
-            <p:ph type="title"/>
+          <p:cNvPr id="3" name="Title 2">
+            <a:extLst>
+              <a:ext uri="{FF2B5EF4-FFF2-40B4-BE49-F238E27FC236}">
+                <a16:creationId xmlns:a16="http://schemas.microsoft.com/office/drawing/2014/main" id="{200B3D2B-613A-41BE-987D-E6A1324B456D}"/>
+              </a:ext>
+            </a:extLst>
+          </p:cNvPr>
+          <p:cNvSpPr>
+            <a:spLocks noGrp="1"/>
+          </p:cNvSpPr>
+          <p:nvPr>
+            <p:ph type="ctrTitle"/>
+          </p:nvPr>
+        </p:nvSpPr>
+        <p:spPr>
+          <a:xfrm>
+            <a:off x="831271" y="742207"/>
+            <a:ext cx="2933207" cy="849062"/>
+          </a:xfrm>
+        </p:spPr>
+        <p:txBody>
+          <a:bodyPr/>
+          <a:lstStyle/>
+          <a:p>
+            <a:r>
+              <a:rPr lang="en-US" dirty="0"/>
+              <a:t>Delete</a:t>
+            </a:r>
+          </a:p>
+        </p:txBody>
+      </p:sp>
+      <p:sp>
+        <p:nvSpPr>
+          <p:cNvPr id="4" name="Subtitle 3">
+            <a:extLst>
+              <a:ext uri="{FF2B5EF4-FFF2-40B4-BE49-F238E27FC236}">
+                <a16:creationId xmlns:a16="http://schemas.microsoft.com/office/drawing/2014/main" id="{4772945D-CA91-4CFE-8EB7-941C7618C994}"/>
+              </a:ext>
+            </a:extLst>
+          </p:cNvPr>
+          <p:cNvSpPr>
+            <a:spLocks noGrp="1"/>
+          </p:cNvSpPr>
+          <p:nvPr>
+            <p:ph type="subTitle" idx="1"/>
+          </p:nvPr>
+        </p:nvSpPr>
+        <p:spPr>
+          <a:xfrm>
+            <a:off x="6855159" y="4067299"/>
+            <a:ext cx="2657433" cy="1460665"/>
+          </a:xfrm>
+        </p:spPr>
+        <p:txBody>
+          <a:bodyPr/>
+          <a:lstStyle/>
+          <a:p>
+            <a:r>
+              <a:rPr lang="en-US" i="0" dirty="0"/>
+              <a:t>User deletion also removes all decks associated with that user</a:t>
+            </a:r>
+          </a:p>
+        </p:txBody>
+      </p:sp>
+      <p:sp>
+        <p:nvSpPr>
+          <p:cNvPr id="5" name="Slide Number Placeholder 4">
+            <a:extLst>
+              <a:ext uri="{FF2B5EF4-FFF2-40B4-BE49-F238E27FC236}">
+                <a16:creationId xmlns:a16="http://schemas.microsoft.com/office/drawing/2014/main" id="{BDD5A594-D852-43BB-B591-E9D9027253BD}"/>
+              </a:ext>
+            </a:extLst>
+          </p:cNvPr>
+          <p:cNvSpPr>
+            <a:spLocks noGrp="1"/>
+          </p:cNvSpPr>
+          <p:nvPr>
+            <p:ph type="sldNum" sz="quarter" idx="11"/>
           </p:nvPr>
         </p:nvSpPr>
         <p:spPr/>
-        <p:txBody>
-          <a:bodyPr/>
-          <a:lstStyle/>
-          <a:p>
-            <a:r>
-              <a:rPr lang="en-US" dirty="0"/>
-              <a:t>Testing</a:t>
-            </a:r>
-          </a:p>
-        </p:txBody>
-      </p:sp>
-      <p:sp>
-        <p:nvSpPr>
-          <p:cNvPr id="5" name="Content Placeholder 4">
-            <a:extLst>
-              <a:ext uri="{FF2B5EF4-FFF2-40B4-BE49-F238E27FC236}">
-                <a16:creationId xmlns:a16="http://schemas.microsoft.com/office/drawing/2014/main" id="{CEEB3BAE-C0B2-447C-B8BE-96C6BD84D658}"/>
-              </a:ext>
-            </a:extLst>
-          </p:cNvPr>
-          <p:cNvSpPr>
-            <a:spLocks noGrp="1"/>
-          </p:cNvSpPr>
-          <p:nvPr>
-            <p:ph sz="half" idx="2"/>
-          </p:nvPr>
-        </p:nvSpPr>
-        <p:spPr>
-          <a:xfrm>
-            <a:off x="955807" y="2255365"/>
-            <a:ext cx="4854811" cy="2520000"/>
-          </a:xfrm>
-        </p:spPr>
-        <p:txBody>
-          <a:bodyPr/>
-          <a:lstStyle/>
-          <a:p>
-            <a:pPr lvl="1"/>
-            <a:r>
-              <a:rPr lang="en-US" dirty="0"/>
-              <a:t>Integration testing</a:t>
-            </a:r>
-          </a:p>
-          <a:p>
-            <a:pPr lvl="1"/>
-            <a:r>
-              <a:rPr lang="en-US" dirty="0"/>
-              <a:t>Splitting of functions </a:t>
-            </a:r>
-          </a:p>
-          <a:p>
-            <a:pPr marL="266700" lvl="1" indent="0">
-              <a:buNone/>
-            </a:pPr>
-            <a:endParaRPr lang="en-US" dirty="0"/>
-          </a:p>
-          <a:p>
-            <a:pPr marL="266700" lvl="1" indent="0">
-              <a:buNone/>
-            </a:pPr>
-            <a:r>
-              <a:rPr lang="en-US" dirty="0"/>
-              <a:t> </a:t>
-            </a:r>
-          </a:p>
-        </p:txBody>
-      </p:sp>
-      <p:sp>
-        <p:nvSpPr>
-          <p:cNvPr id="8" name="Slide Number Placeholder 7">
-            <a:extLst>
-              <a:ext uri="{FF2B5EF4-FFF2-40B4-BE49-F238E27FC236}">
-                <a16:creationId xmlns:a16="http://schemas.microsoft.com/office/drawing/2014/main" id="{E6AC9832-FB01-464A-9824-61887B77997E}"/>
-              </a:ext>
-            </a:extLst>
-          </p:cNvPr>
-          <p:cNvSpPr>
-            <a:spLocks noGrp="1"/>
-          </p:cNvSpPr>
-          <p:nvPr>
-            <p:ph type="sldNum" sz="quarter" idx="33"/>
-          </p:nvPr>
-        </p:nvSpPr>
-        <p:spPr>
-          <a:xfrm>
-            <a:off x="11447502" y="6401750"/>
-            <a:ext cx="278418" cy="274324"/>
-          </a:xfrm>
-        </p:spPr>
         <p:txBody>
           <a:bodyPr/>
           <a:lstStyle/>
@@ -9500,10 +9571,10 @@
       </p:sp>
       <p:sp>
         <p:nvSpPr>
-          <p:cNvPr id="9" name="Rectangle 8">
-            <a:extLst>
-              <a:ext uri="{FF2B5EF4-FFF2-40B4-BE49-F238E27FC236}">
-                <a16:creationId xmlns:a16="http://schemas.microsoft.com/office/drawing/2014/main" id="{485D5CD8-988C-4AE0-AD2C-7E92899A66B4}"/>
+          <p:cNvPr id="6" name="Rectangle 5">
+            <a:extLst>
+              <a:ext uri="{FF2B5EF4-FFF2-40B4-BE49-F238E27FC236}">
+                <a16:creationId xmlns:a16="http://schemas.microsoft.com/office/drawing/2014/main" id="{D04D6DD3-B2EF-477E-8BEB-BE14D4F25B9C}"/>
               </a:ext>
             </a:extLst>
           </p:cNvPr>
@@ -9554,10 +9625,10 @@
       </p:sp>
       <p:pic>
         <p:nvPicPr>
-          <p:cNvPr id="6" name="Picture 5" descr="A screenshot of a cell phone&#10;&#10;Description automatically generated">
-            <a:extLst>
-              <a:ext uri="{FF2B5EF4-FFF2-40B4-BE49-F238E27FC236}">
-                <a16:creationId xmlns:a16="http://schemas.microsoft.com/office/drawing/2014/main" id="{CCBD1305-33D0-49A5-AA62-935AFDA0E1B8}"/>
+          <p:cNvPr id="9" name="Picture 8" descr="A screenshot of a cell phone&#10;&#10;Description automatically generated">
+            <a:extLst>
+              <a:ext uri="{FF2B5EF4-FFF2-40B4-BE49-F238E27FC236}">
+                <a16:creationId xmlns:a16="http://schemas.microsoft.com/office/drawing/2014/main" id="{D7379815-EE82-488D-81B4-E650189982A9}"/>
               </a:ext>
             </a:extLst>
           </p:cNvPr>
@@ -9574,46 +9645,108 @@
         </p:blipFill>
         <p:spPr>
           <a:xfrm>
-            <a:off x="7050286" y="843973"/>
-            <a:ext cx="2862307" cy="2874184"/>
+            <a:off x="4576479" y="742207"/>
+            <a:ext cx="2087050" cy="2208445"/>
           </a:xfrm>
           <a:prstGeom prst="rect">
             <a:avLst/>
           </a:prstGeom>
         </p:spPr>
       </p:pic>
-      <p:sp>
-        <p:nvSpPr>
-          <p:cNvPr id="10" name="Text Placeholder 9">
-            <a:extLst>
-              <a:ext uri="{FF2B5EF4-FFF2-40B4-BE49-F238E27FC236}">
-                <a16:creationId xmlns:a16="http://schemas.microsoft.com/office/drawing/2014/main" id="{262B4CE3-7A27-4244-9629-DD754ECBA352}"/>
-              </a:ext>
-            </a:extLst>
-          </p:cNvPr>
-          <p:cNvSpPr>
-            <a:spLocks noGrp="1"/>
-          </p:cNvSpPr>
-          <p:nvPr>
-            <p:ph type="body" idx="1"/>
-          </p:nvPr>
-        </p:nvSpPr>
-        <p:spPr/>
-        <p:txBody>
-          <a:bodyPr/>
-          <a:lstStyle/>
-          <a:p>
-            <a:r>
-              <a:rPr lang="en-GB" dirty="0"/>
-              <a:t>Improvements</a:t>
-            </a:r>
-          </a:p>
-        </p:txBody>
-      </p:sp>
+      <p:pic>
+        <p:nvPicPr>
+          <p:cNvPr id="7" name="Picture 6" descr="A screenshot of a cell phone&#10;&#10;Description automatically generated">
+            <a:extLst>
+              <a:ext uri="{FF2B5EF4-FFF2-40B4-BE49-F238E27FC236}">
+                <a16:creationId xmlns:a16="http://schemas.microsoft.com/office/drawing/2014/main" id="{6457B964-751A-45A4-97CA-AF38B7EB4339}"/>
+              </a:ext>
+            </a:extLst>
+          </p:cNvPr>
+          <p:cNvPicPr>
+            <a:picLocks noChangeAspect="1"/>
+          </p:cNvPicPr>
+          <p:nvPr/>
+        </p:nvPicPr>
+        <p:blipFill>
+          <a:blip r:embed="rId4"/>
+          <a:stretch>
+            <a:fillRect/>
+          </a:stretch>
+        </p:blipFill>
+        <p:spPr>
+          <a:xfrm>
+            <a:off x="6881093" y="742206"/>
+            <a:ext cx="1820998" cy="2208445"/>
+          </a:xfrm>
+          <a:prstGeom prst="rect">
+            <a:avLst/>
+          </a:prstGeom>
+        </p:spPr>
+      </p:pic>
+      <p:pic>
+        <p:nvPicPr>
+          <p:cNvPr id="12" name="Picture 11" descr="A screenshot of a cell phone&#10;&#10;Description automatically generated">
+            <a:extLst>
+              <a:ext uri="{FF2B5EF4-FFF2-40B4-BE49-F238E27FC236}">
+                <a16:creationId xmlns:a16="http://schemas.microsoft.com/office/drawing/2014/main" id="{9A60E7F2-6CD9-4631-B701-04DB073E23E2}"/>
+              </a:ext>
+            </a:extLst>
+          </p:cNvPr>
+          <p:cNvPicPr>
+            <a:picLocks noChangeAspect="1"/>
+          </p:cNvPicPr>
+          <p:nvPr/>
+        </p:nvPicPr>
+        <p:blipFill>
+          <a:blip r:embed="rId5"/>
+          <a:stretch>
+            <a:fillRect/>
+          </a:stretch>
+        </p:blipFill>
+        <p:spPr>
+          <a:xfrm>
+            <a:off x="336890" y="3144506"/>
+            <a:ext cx="2016450" cy="2662201"/>
+          </a:xfrm>
+          <a:prstGeom prst="rect">
+            <a:avLst/>
+          </a:prstGeom>
+        </p:spPr>
+      </p:pic>
+      <p:pic>
+        <p:nvPicPr>
+          <p:cNvPr id="14" name="Picture 13" descr="A picture containing bird&#10;&#10;Description automatically generated">
+            <a:extLst>
+              <a:ext uri="{FF2B5EF4-FFF2-40B4-BE49-F238E27FC236}">
+                <a16:creationId xmlns:a16="http://schemas.microsoft.com/office/drawing/2014/main" id="{8D988522-AE40-42EB-9E06-62B89CD4C91D}"/>
+              </a:ext>
+            </a:extLst>
+          </p:cNvPr>
+          <p:cNvPicPr>
+            <a:picLocks noChangeAspect="1"/>
+          </p:cNvPicPr>
+          <p:nvPr/>
+        </p:nvPicPr>
+        <p:blipFill>
+          <a:blip r:embed="rId6"/>
+          <a:stretch>
+            <a:fillRect/>
+          </a:stretch>
+        </p:blipFill>
+        <p:spPr>
+          <a:xfrm>
+            <a:off x="2679408" y="3144506"/>
+            <a:ext cx="1978424" cy="2618875"/>
+          </a:xfrm>
+          <a:prstGeom prst="rect">
+            <a:avLst/>
+          </a:prstGeom>
+        </p:spPr>
+      </p:pic>
     </p:spTree>
     <p:extLst>
       <p:ext uri="{BB962C8B-B14F-4D97-AF65-F5344CB8AC3E}">
-        <p14:creationId xmlns:p14="http://schemas.microsoft.com/office/powerpoint/2010/main" val="3442663911"/>
+        <p14:creationId xmlns:p14="http://schemas.microsoft.com/office/powerpoint/2010/main" val="3907292660"/>
       </p:ext>
     </p:extLst>
   </p:cSld>
@@ -9645,7 +9778,7 @@
           <p:cNvPr id="2" name="Title 1">
             <a:extLst>
               <a:ext uri="{FF2B5EF4-FFF2-40B4-BE49-F238E27FC236}">
-                <a16:creationId xmlns:a16="http://schemas.microsoft.com/office/drawing/2014/main" id="{3560F281-4FF6-4617-A809-AC9C15ECF18A}"/>
+                <a16:creationId xmlns:a16="http://schemas.microsoft.com/office/drawing/2014/main" id="{19304E83-A4F0-49C5-BB01-F5773509A2B3}"/>
               </a:ext>
             </a:extLst>
           </p:cNvPr>
@@ -9656,123 +9789,96 @@
             <p:ph type="title"/>
           </p:nvPr>
         </p:nvSpPr>
-        <p:spPr>
-          <a:xfrm>
-            <a:off x="4445000" y="2044500"/>
-            <a:ext cx="5184913" cy="432000"/>
-          </a:xfrm>
-        </p:spPr>
+        <p:spPr/>
         <p:txBody>
           <a:bodyPr/>
           <a:lstStyle/>
           <a:p>
             <a:r>
               <a:rPr lang="en-US" dirty="0"/>
-              <a:t>Live Demo</a:t>
-            </a:r>
-          </a:p>
-        </p:txBody>
-      </p:sp>
-      <p:sp>
-        <p:nvSpPr>
-          <p:cNvPr id="4" name="Content Placeholder 3">
-            <a:extLst>
-              <a:ext uri="{FF2B5EF4-FFF2-40B4-BE49-F238E27FC236}">
-                <a16:creationId xmlns:a16="http://schemas.microsoft.com/office/drawing/2014/main" id="{D355C61F-C8F1-4977-8E1F-F16C0D9EA88C}"/>
-              </a:ext>
-            </a:extLst>
-          </p:cNvPr>
-          <p:cNvSpPr>
-            <a:spLocks noGrp="1"/>
-          </p:cNvSpPr>
-          <p:nvPr>
-            <p:ph sz="half" idx="1"/>
-          </p:nvPr>
-        </p:nvSpPr>
-        <p:spPr>
-          <a:xfrm>
-            <a:off x="4445000" y="2476500"/>
-            <a:ext cx="5184800" cy="3715500"/>
+              <a:t>Testing</a:t>
+            </a:r>
+          </a:p>
+        </p:txBody>
+      </p:sp>
+      <p:sp>
+        <p:nvSpPr>
+          <p:cNvPr id="5" name="Content Placeholder 4">
+            <a:extLst>
+              <a:ext uri="{FF2B5EF4-FFF2-40B4-BE49-F238E27FC236}">
+                <a16:creationId xmlns:a16="http://schemas.microsoft.com/office/drawing/2014/main" id="{CEEB3BAE-C0B2-447C-B8BE-96C6BD84D658}"/>
+              </a:ext>
+            </a:extLst>
+          </p:cNvPr>
+          <p:cNvSpPr>
+            <a:spLocks noGrp="1"/>
+          </p:cNvSpPr>
+          <p:nvPr>
+            <p:ph sz="half" idx="2"/>
+          </p:nvPr>
+        </p:nvSpPr>
+        <p:spPr>
+          <a:xfrm>
+            <a:off x="955807" y="2255365"/>
+            <a:ext cx="4854811" cy="2520000"/>
           </a:xfrm>
         </p:spPr>
         <p:txBody>
           <a:bodyPr/>
           <a:lstStyle/>
           <a:p>
-            <a:pPr marL="0" indent="0" algn="r">
-              <a:buNone/>
-            </a:pPr>
-            <a:r>
-              <a:rPr lang="en-GB" dirty="0">
-                <a:hlinkClick r:id="rId3"/>
-              </a:rPr>
-              <a:t>http://35.246.125.174:8001/</a:t>
-            </a:r>
-            <a:endParaRPr lang="en-US" dirty="0"/>
-          </a:p>
-          <a:p>
-            <a:pPr marL="0" indent="0">
+            <a:pPr lvl="1"/>
+            <a:r>
+              <a:rPr lang="en-US" dirty="0"/>
+              <a:t>Integration testing</a:t>
+            </a:r>
+          </a:p>
+          <a:p>
+            <a:pPr lvl="1"/>
+            <a:r>
+              <a:rPr lang="en-US" dirty="0"/>
+              <a:t>Splitting of functions </a:t>
+            </a:r>
+          </a:p>
+          <a:p>
+            <a:pPr marL="266700" lvl="1" indent="0">
               <a:buNone/>
             </a:pPr>
             <a:endParaRPr lang="en-US" dirty="0"/>
           </a:p>
           <a:p>
-            <a:pPr marL="0" indent="0">
+            <a:pPr marL="266700" lvl="1" indent="0">
               <a:buNone/>
             </a:pPr>
-            <a:endParaRPr lang="en-US" dirty="0"/>
-          </a:p>
-          <a:p>
-            <a:endParaRPr lang="en-US" dirty="0"/>
-          </a:p>
-        </p:txBody>
-      </p:sp>
-      <p:pic>
-        <p:nvPicPr>
-          <p:cNvPr id="10" name="Picture Placeholder 9" descr="Abstract architecture polygon">
-            <a:extLst>
-              <a:ext uri="{FF2B5EF4-FFF2-40B4-BE49-F238E27FC236}">
-                <a16:creationId xmlns:a16="http://schemas.microsoft.com/office/drawing/2014/main" id="{38475F7B-316A-47DC-9CBB-B074A5B5994C}"/>
-              </a:ext>
-            </a:extLst>
-          </p:cNvPr>
-          <p:cNvPicPr>
-            <a:picLocks noGrp="1" noChangeAspect="1"/>
-          </p:cNvPicPr>
-          <p:nvPr>
-            <p:ph type="pic" sz="quarter" idx="33"/>
-          </p:nvPr>
-        </p:nvPicPr>
-        <p:blipFill>
-          <a:blip r:embed="rId4"/>
-          <a:stretch>
-            <a:fillRect/>
-          </a:stretch>
-        </p:blipFill>
-        <p:spPr>
-          <a:xfrm>
-            <a:off x="9980476" y="1085"/>
-            <a:ext cx="2211524" cy="6189830"/>
-          </a:xfrm>
-        </p:spPr>
-      </p:pic>
-      <p:sp>
-        <p:nvSpPr>
-          <p:cNvPr id="6" name="Slide Number Placeholder 5">
-            <a:extLst>
-              <a:ext uri="{FF2B5EF4-FFF2-40B4-BE49-F238E27FC236}">
-                <a16:creationId xmlns:a16="http://schemas.microsoft.com/office/drawing/2014/main" id="{1C554D9F-1895-486E-BFBA-905BB2D29E08}"/>
-              </a:ext>
-            </a:extLst>
-          </p:cNvPr>
-          <p:cNvSpPr>
-            <a:spLocks noGrp="1"/>
-          </p:cNvSpPr>
-          <p:nvPr>
-            <p:ph type="sldNum" sz="quarter" idx="34"/>
-          </p:nvPr>
-        </p:nvSpPr>
-        <p:spPr/>
+            <a:r>
+              <a:rPr lang="en-US" dirty="0"/>
+              <a:t> </a:t>
+            </a:r>
+          </a:p>
+        </p:txBody>
+      </p:sp>
+      <p:sp>
+        <p:nvSpPr>
+          <p:cNvPr id="8" name="Slide Number Placeholder 7">
+            <a:extLst>
+              <a:ext uri="{FF2B5EF4-FFF2-40B4-BE49-F238E27FC236}">
+                <a16:creationId xmlns:a16="http://schemas.microsoft.com/office/drawing/2014/main" id="{E6AC9832-FB01-464A-9824-61887B77997E}"/>
+              </a:ext>
+            </a:extLst>
+          </p:cNvPr>
+          <p:cNvSpPr>
+            <a:spLocks noGrp="1"/>
+          </p:cNvSpPr>
+          <p:nvPr>
+            <p:ph type="sldNum" sz="quarter" idx="33"/>
+          </p:nvPr>
+        </p:nvSpPr>
+        <p:spPr>
+          <a:xfrm>
+            <a:off x="11447502" y="6401750"/>
+            <a:ext cx="278418" cy="274324"/>
+          </a:xfrm>
+        </p:spPr>
         <p:txBody>
           <a:bodyPr/>
           <a:lstStyle/>
@@ -9788,10 +9894,10 @@
       </p:sp>
       <p:sp>
         <p:nvSpPr>
-          <p:cNvPr id="5" name="Rectangle 4">
-            <a:extLst>
-              <a:ext uri="{FF2B5EF4-FFF2-40B4-BE49-F238E27FC236}">
-                <a16:creationId xmlns:a16="http://schemas.microsoft.com/office/drawing/2014/main" id="{4731D817-5C6C-4BAD-AF29-0A76B6C8515E}"/>
+          <p:cNvPr id="9" name="Rectangle 8">
+            <a:extLst>
+              <a:ext uri="{FF2B5EF4-FFF2-40B4-BE49-F238E27FC236}">
+                <a16:creationId xmlns:a16="http://schemas.microsoft.com/office/drawing/2014/main" id="{485D5CD8-988C-4AE0-AD2C-7E92899A66B4}"/>
               </a:ext>
             </a:extLst>
           </p:cNvPr>
@@ -9840,10 +9946,68 @@
           </a:p>
         </p:txBody>
       </p:sp>
+      <p:pic>
+        <p:nvPicPr>
+          <p:cNvPr id="6" name="Picture 5" descr="A screenshot of a cell phone&#10;&#10;Description automatically generated">
+            <a:extLst>
+              <a:ext uri="{FF2B5EF4-FFF2-40B4-BE49-F238E27FC236}">
+                <a16:creationId xmlns:a16="http://schemas.microsoft.com/office/drawing/2014/main" id="{CCBD1305-33D0-49A5-AA62-935AFDA0E1B8}"/>
+              </a:ext>
+            </a:extLst>
+          </p:cNvPr>
+          <p:cNvPicPr>
+            <a:picLocks noChangeAspect="1"/>
+          </p:cNvPicPr>
+          <p:nvPr/>
+        </p:nvPicPr>
+        <p:blipFill>
+          <a:blip r:embed="rId3"/>
+          <a:stretch>
+            <a:fillRect/>
+          </a:stretch>
+        </p:blipFill>
+        <p:spPr>
+          <a:xfrm>
+            <a:off x="5139818" y="2218437"/>
+            <a:ext cx="4046818" cy="4063610"/>
+          </a:xfrm>
+          <a:prstGeom prst="rect">
+            <a:avLst/>
+          </a:prstGeom>
+        </p:spPr>
+      </p:pic>
+      <p:sp>
+        <p:nvSpPr>
+          <p:cNvPr id="10" name="Text Placeholder 9">
+            <a:extLst>
+              <a:ext uri="{FF2B5EF4-FFF2-40B4-BE49-F238E27FC236}">
+                <a16:creationId xmlns:a16="http://schemas.microsoft.com/office/drawing/2014/main" id="{262B4CE3-7A27-4244-9629-DD754ECBA352}"/>
+              </a:ext>
+            </a:extLst>
+          </p:cNvPr>
+          <p:cNvSpPr>
+            <a:spLocks noGrp="1"/>
+          </p:cNvSpPr>
+          <p:nvPr>
+            <p:ph type="body" idx="1"/>
+          </p:nvPr>
+        </p:nvSpPr>
+        <p:spPr/>
+        <p:txBody>
+          <a:bodyPr/>
+          <a:lstStyle/>
+          <a:p>
+            <a:r>
+              <a:rPr lang="en-GB" dirty="0"/>
+              <a:t>Improvements</a:t>
+            </a:r>
+          </a:p>
+        </p:txBody>
+      </p:sp>
     </p:spTree>
     <p:extLst>
       <p:ext uri="{BB962C8B-B14F-4D97-AF65-F5344CB8AC3E}">
-        <p14:creationId xmlns:p14="http://schemas.microsoft.com/office/powerpoint/2010/main" val="2268383475"/>
+        <p14:creationId xmlns:p14="http://schemas.microsoft.com/office/powerpoint/2010/main" val="3442663911"/>
       </p:ext>
     </p:extLst>
   </p:cSld>
@@ -9875,7 +10039,7 @@
           <p:cNvPr id="2" name="Title 1">
             <a:extLst>
               <a:ext uri="{FF2B5EF4-FFF2-40B4-BE49-F238E27FC236}">
-                <a16:creationId xmlns:a16="http://schemas.microsoft.com/office/drawing/2014/main" id="{19304E83-A4F0-49C5-BB01-F5773509A2B3}"/>
+                <a16:creationId xmlns:a16="http://schemas.microsoft.com/office/drawing/2014/main" id="{3560F281-4FF6-4617-A809-AC9C15ECF18A}"/>
               </a:ext>
             </a:extLst>
           </p:cNvPr>
@@ -9886,127 +10050,123 @@
             <p:ph type="title"/>
           </p:nvPr>
         </p:nvSpPr>
+        <p:spPr>
+          <a:xfrm>
+            <a:off x="4445000" y="2044500"/>
+            <a:ext cx="5184913" cy="432000"/>
+          </a:xfrm>
+        </p:spPr>
+        <p:txBody>
+          <a:bodyPr/>
+          <a:lstStyle/>
+          <a:p>
+            <a:r>
+              <a:rPr lang="en-US" dirty="0"/>
+              <a:t>Live Demo</a:t>
+            </a:r>
+          </a:p>
+        </p:txBody>
+      </p:sp>
+      <p:sp>
+        <p:nvSpPr>
+          <p:cNvPr id="4" name="Content Placeholder 3">
+            <a:extLst>
+              <a:ext uri="{FF2B5EF4-FFF2-40B4-BE49-F238E27FC236}">
+                <a16:creationId xmlns:a16="http://schemas.microsoft.com/office/drawing/2014/main" id="{D355C61F-C8F1-4977-8E1F-F16C0D9EA88C}"/>
+              </a:ext>
+            </a:extLst>
+          </p:cNvPr>
+          <p:cNvSpPr>
+            <a:spLocks noGrp="1"/>
+          </p:cNvSpPr>
+          <p:nvPr>
+            <p:ph sz="half" idx="1"/>
+          </p:nvPr>
+        </p:nvSpPr>
+        <p:spPr>
+          <a:xfrm>
+            <a:off x="4445000" y="2476500"/>
+            <a:ext cx="5184800" cy="3715500"/>
+          </a:xfrm>
+        </p:spPr>
+        <p:txBody>
+          <a:bodyPr/>
+          <a:lstStyle/>
+          <a:p>
+            <a:pPr marL="0" indent="0" algn="r">
+              <a:buNone/>
+            </a:pPr>
+            <a:r>
+              <a:rPr lang="en-GB" dirty="0">
+                <a:hlinkClick r:id="rId3"/>
+              </a:rPr>
+              <a:t>http://35.246.125.174:8001/</a:t>
+            </a:r>
+            <a:endParaRPr lang="en-US" dirty="0"/>
+          </a:p>
+          <a:p>
+            <a:pPr marL="0" indent="0">
+              <a:buNone/>
+            </a:pPr>
+            <a:endParaRPr lang="en-US" dirty="0"/>
+          </a:p>
+          <a:p>
+            <a:pPr marL="0" indent="0">
+              <a:buNone/>
+            </a:pPr>
+            <a:endParaRPr lang="en-US" dirty="0"/>
+          </a:p>
+          <a:p>
+            <a:endParaRPr lang="en-US" dirty="0"/>
+          </a:p>
+        </p:txBody>
+      </p:sp>
+      <p:pic>
+        <p:nvPicPr>
+          <p:cNvPr id="10" name="Picture Placeholder 9" descr="Abstract architecture polygon">
+            <a:extLst>
+              <a:ext uri="{FF2B5EF4-FFF2-40B4-BE49-F238E27FC236}">
+                <a16:creationId xmlns:a16="http://schemas.microsoft.com/office/drawing/2014/main" id="{38475F7B-316A-47DC-9CBB-B074A5B5994C}"/>
+              </a:ext>
+            </a:extLst>
+          </p:cNvPr>
+          <p:cNvPicPr>
+            <a:picLocks noGrp="1" noChangeAspect="1"/>
+          </p:cNvPicPr>
+          <p:nvPr>
+            <p:ph type="pic" sz="quarter" idx="33"/>
+          </p:nvPr>
+        </p:nvPicPr>
+        <p:blipFill>
+          <a:blip r:embed="rId4"/>
+          <a:stretch>
+            <a:fillRect/>
+          </a:stretch>
+        </p:blipFill>
+        <p:spPr>
+          <a:xfrm>
+            <a:off x="9980476" y="1085"/>
+            <a:ext cx="2211524" cy="6189830"/>
+          </a:xfrm>
+        </p:spPr>
+      </p:pic>
+      <p:sp>
+        <p:nvSpPr>
+          <p:cNvPr id="6" name="Slide Number Placeholder 5">
+            <a:extLst>
+              <a:ext uri="{FF2B5EF4-FFF2-40B4-BE49-F238E27FC236}">
+                <a16:creationId xmlns:a16="http://schemas.microsoft.com/office/drawing/2014/main" id="{1C554D9F-1895-486E-BFBA-905BB2D29E08}"/>
+              </a:ext>
+            </a:extLst>
+          </p:cNvPr>
+          <p:cNvSpPr>
+            <a:spLocks noGrp="1"/>
+          </p:cNvSpPr>
+          <p:nvPr>
+            <p:ph type="sldNum" sz="quarter" idx="34"/>
+          </p:nvPr>
+        </p:nvSpPr>
         <p:spPr/>
-        <p:txBody>
-          <a:bodyPr/>
-          <a:lstStyle/>
-          <a:p>
-            <a:r>
-              <a:rPr lang="en-US" dirty="0"/>
-              <a:t>Difficulties</a:t>
-            </a:r>
-          </a:p>
-        </p:txBody>
-      </p:sp>
-      <p:sp>
-        <p:nvSpPr>
-          <p:cNvPr id="4" name="Text Placeholder 3">
-            <a:extLst>
-              <a:ext uri="{FF2B5EF4-FFF2-40B4-BE49-F238E27FC236}">
-                <a16:creationId xmlns:a16="http://schemas.microsoft.com/office/drawing/2014/main" id="{6AB259A0-0017-492F-A0DC-4B70C7052AE0}"/>
-              </a:ext>
-            </a:extLst>
-          </p:cNvPr>
-          <p:cNvSpPr>
-            <a:spLocks noGrp="1"/>
-          </p:cNvSpPr>
-          <p:nvPr>
-            <p:ph type="body" idx="1"/>
-          </p:nvPr>
-        </p:nvSpPr>
-        <p:spPr>
-          <a:xfrm>
-            <a:off x="599704" y="1538495"/>
-            <a:ext cx="4500000" cy="498616"/>
-          </a:xfrm>
-        </p:spPr>
-        <p:txBody>
-          <a:bodyPr/>
-          <a:lstStyle/>
-          <a:p>
-            <a:r>
-              <a:rPr lang="en-US" dirty="0"/>
-              <a:t>Design</a:t>
-            </a:r>
-          </a:p>
-        </p:txBody>
-      </p:sp>
-      <p:sp>
-        <p:nvSpPr>
-          <p:cNvPr id="5" name="Content Placeholder 4">
-            <a:extLst>
-              <a:ext uri="{FF2B5EF4-FFF2-40B4-BE49-F238E27FC236}">
-                <a16:creationId xmlns:a16="http://schemas.microsoft.com/office/drawing/2014/main" id="{CEEB3BAE-C0B2-447C-B8BE-96C6BD84D658}"/>
-              </a:ext>
-            </a:extLst>
-          </p:cNvPr>
-          <p:cNvSpPr>
-            <a:spLocks noGrp="1"/>
-          </p:cNvSpPr>
-          <p:nvPr>
-            <p:ph sz="half" idx="2"/>
-          </p:nvPr>
-        </p:nvSpPr>
-        <p:spPr>
-          <a:xfrm>
-            <a:off x="955807" y="2255365"/>
-            <a:ext cx="4854811" cy="2520000"/>
-          </a:xfrm>
-        </p:spPr>
-        <p:txBody>
-          <a:bodyPr/>
-          <a:lstStyle/>
-          <a:p>
-            <a:pPr lvl="1"/>
-            <a:r>
-              <a:rPr lang="en-US" dirty="0"/>
-              <a:t>Many to many table relationship</a:t>
-            </a:r>
-          </a:p>
-          <a:p>
-            <a:pPr lvl="1"/>
-            <a:r>
-              <a:rPr lang="en-US" dirty="0"/>
-              <a:t>Displaying query data</a:t>
-            </a:r>
-          </a:p>
-          <a:p>
-            <a:pPr lvl="1"/>
-            <a:endParaRPr lang="en-US" dirty="0"/>
-          </a:p>
-          <a:p>
-            <a:pPr marL="266700" lvl="1" indent="0">
-              <a:buNone/>
-            </a:pPr>
-            <a:r>
-              <a:rPr lang="en-US" dirty="0"/>
-              <a:t> </a:t>
-            </a:r>
-          </a:p>
-        </p:txBody>
-      </p:sp>
-      <p:sp>
-        <p:nvSpPr>
-          <p:cNvPr id="8" name="Slide Number Placeholder 7">
-            <a:extLst>
-              <a:ext uri="{FF2B5EF4-FFF2-40B4-BE49-F238E27FC236}">
-                <a16:creationId xmlns:a16="http://schemas.microsoft.com/office/drawing/2014/main" id="{E6AC9832-FB01-464A-9824-61887B77997E}"/>
-              </a:ext>
-            </a:extLst>
-          </p:cNvPr>
-          <p:cNvSpPr>
-            <a:spLocks noGrp="1"/>
-          </p:cNvSpPr>
-          <p:nvPr>
-            <p:ph type="sldNum" sz="quarter" idx="33"/>
-          </p:nvPr>
-        </p:nvSpPr>
-        <p:spPr>
-          <a:xfrm>
-            <a:off x="11447502" y="6401750"/>
-            <a:ext cx="278418" cy="274324"/>
-          </a:xfrm>
-        </p:spPr>
         <p:txBody>
           <a:bodyPr/>
           <a:lstStyle/>
@@ -10015,6 +10175,240 @@
               <a:rPr lang="en-US" smtClean="0"/>
               <a:pPr/>
               <a:t>12</a:t>
+            </a:fld>
+            <a:endParaRPr lang="en-US" dirty="0"/>
+          </a:p>
+        </p:txBody>
+      </p:sp>
+      <p:sp>
+        <p:nvSpPr>
+          <p:cNvPr id="5" name="Rectangle 4">
+            <a:extLst>
+              <a:ext uri="{FF2B5EF4-FFF2-40B4-BE49-F238E27FC236}">
+                <a16:creationId xmlns:a16="http://schemas.microsoft.com/office/drawing/2014/main" id="{4731D817-5C6C-4BAD-AF29-0A76B6C8515E}"/>
+              </a:ext>
+            </a:extLst>
+          </p:cNvPr>
+          <p:cNvSpPr/>
+          <p:nvPr/>
+        </p:nvSpPr>
+        <p:spPr>
+          <a:xfrm>
+            <a:off x="10082151" y="6282047"/>
+            <a:ext cx="1294410" cy="486888"/>
+          </a:xfrm>
+          <a:prstGeom prst="rect">
+            <a:avLst/>
+          </a:prstGeom>
+          <a:solidFill>
+            <a:schemeClr val="bg1"/>
+          </a:solidFill>
+          <a:ln>
+            <a:solidFill>
+              <a:schemeClr val="bg1"/>
+            </a:solidFill>
+          </a:ln>
+        </p:spPr>
+        <p:style>
+          <a:lnRef idx="2">
+            <a:schemeClr val="accent1">
+              <a:shade val="50000"/>
+            </a:schemeClr>
+          </a:lnRef>
+          <a:fillRef idx="1">
+            <a:schemeClr val="accent1"/>
+          </a:fillRef>
+          <a:effectRef idx="0">
+            <a:schemeClr val="accent1"/>
+          </a:effectRef>
+          <a:fontRef idx="minor">
+            <a:schemeClr val="lt1"/>
+          </a:fontRef>
+        </p:style>
+        <p:txBody>
+          <a:bodyPr rtlCol="0" anchor="ctr"/>
+          <a:lstStyle/>
+          <a:p>
+            <a:pPr algn="ctr"/>
+            <a:endParaRPr lang="en-GB"/>
+          </a:p>
+        </p:txBody>
+      </p:sp>
+    </p:spTree>
+    <p:extLst>
+      <p:ext uri="{BB962C8B-B14F-4D97-AF65-F5344CB8AC3E}">
+        <p14:creationId xmlns:p14="http://schemas.microsoft.com/office/powerpoint/2010/main" val="2268383475"/>
+      </p:ext>
+    </p:extLst>
+  </p:cSld>
+  <p:clrMapOvr>
+    <a:masterClrMapping/>
+  </p:clrMapOvr>
+</p:sld>
+</file>
+
+<file path=ppt/slides/slide13.xml><?xml version="1.0" encoding="utf-8"?>
+<p:sld xmlns:a="http://schemas.openxmlformats.org/drawingml/2006/main" xmlns:r="http://schemas.openxmlformats.org/officeDocument/2006/relationships" xmlns:p="http://schemas.openxmlformats.org/presentationml/2006/main">
+  <p:cSld>
+    <p:spTree>
+      <p:nvGrpSpPr>
+        <p:cNvPr id="1" name=""/>
+        <p:cNvGrpSpPr/>
+        <p:nvPr/>
+      </p:nvGrpSpPr>
+      <p:grpSpPr>
+        <a:xfrm>
+          <a:off x="0" y="0"/>
+          <a:ext cx="0" cy="0"/>
+          <a:chOff x="0" y="0"/>
+          <a:chExt cx="0" cy="0"/>
+        </a:xfrm>
+      </p:grpSpPr>
+      <p:sp>
+        <p:nvSpPr>
+          <p:cNvPr id="2" name="Title 1">
+            <a:extLst>
+              <a:ext uri="{FF2B5EF4-FFF2-40B4-BE49-F238E27FC236}">
+                <a16:creationId xmlns:a16="http://schemas.microsoft.com/office/drawing/2014/main" id="{19304E83-A4F0-49C5-BB01-F5773509A2B3}"/>
+              </a:ext>
+            </a:extLst>
+          </p:cNvPr>
+          <p:cNvSpPr>
+            <a:spLocks noGrp="1"/>
+          </p:cNvSpPr>
+          <p:nvPr>
+            <p:ph type="title"/>
+          </p:nvPr>
+        </p:nvSpPr>
+        <p:spPr/>
+        <p:txBody>
+          <a:bodyPr/>
+          <a:lstStyle/>
+          <a:p>
+            <a:r>
+              <a:rPr lang="en-US" dirty="0"/>
+              <a:t>Difficulties</a:t>
+            </a:r>
+          </a:p>
+        </p:txBody>
+      </p:sp>
+      <p:sp>
+        <p:nvSpPr>
+          <p:cNvPr id="4" name="Text Placeholder 3">
+            <a:extLst>
+              <a:ext uri="{FF2B5EF4-FFF2-40B4-BE49-F238E27FC236}">
+                <a16:creationId xmlns:a16="http://schemas.microsoft.com/office/drawing/2014/main" id="{6AB259A0-0017-492F-A0DC-4B70C7052AE0}"/>
+              </a:ext>
+            </a:extLst>
+          </p:cNvPr>
+          <p:cNvSpPr>
+            <a:spLocks noGrp="1"/>
+          </p:cNvSpPr>
+          <p:nvPr>
+            <p:ph type="body" idx="1"/>
+          </p:nvPr>
+        </p:nvSpPr>
+        <p:spPr>
+          <a:xfrm>
+            <a:off x="599704" y="1538495"/>
+            <a:ext cx="4500000" cy="498616"/>
+          </a:xfrm>
+        </p:spPr>
+        <p:txBody>
+          <a:bodyPr/>
+          <a:lstStyle/>
+          <a:p>
+            <a:r>
+              <a:rPr lang="en-US" dirty="0"/>
+              <a:t>Design</a:t>
+            </a:r>
+          </a:p>
+        </p:txBody>
+      </p:sp>
+      <p:sp>
+        <p:nvSpPr>
+          <p:cNvPr id="5" name="Content Placeholder 4">
+            <a:extLst>
+              <a:ext uri="{FF2B5EF4-FFF2-40B4-BE49-F238E27FC236}">
+                <a16:creationId xmlns:a16="http://schemas.microsoft.com/office/drawing/2014/main" id="{CEEB3BAE-C0B2-447C-B8BE-96C6BD84D658}"/>
+              </a:ext>
+            </a:extLst>
+          </p:cNvPr>
+          <p:cNvSpPr>
+            <a:spLocks noGrp="1"/>
+          </p:cNvSpPr>
+          <p:nvPr>
+            <p:ph sz="half" idx="2"/>
+          </p:nvPr>
+        </p:nvSpPr>
+        <p:spPr>
+          <a:xfrm>
+            <a:off x="955807" y="2255365"/>
+            <a:ext cx="4854811" cy="2520000"/>
+          </a:xfrm>
+        </p:spPr>
+        <p:txBody>
+          <a:bodyPr/>
+          <a:lstStyle/>
+          <a:p>
+            <a:pPr lvl="1"/>
+            <a:r>
+              <a:rPr lang="en-US" dirty="0"/>
+              <a:t>Many to many table relationship</a:t>
+            </a:r>
+          </a:p>
+          <a:p>
+            <a:pPr lvl="1"/>
+            <a:r>
+              <a:rPr lang="en-US" dirty="0"/>
+              <a:t>Displaying query data</a:t>
+            </a:r>
+          </a:p>
+          <a:p>
+            <a:pPr lvl="1"/>
+            <a:endParaRPr lang="en-US" dirty="0"/>
+          </a:p>
+          <a:p>
+            <a:pPr marL="266700" lvl="1" indent="0">
+              <a:buNone/>
+            </a:pPr>
+            <a:r>
+              <a:rPr lang="en-US" dirty="0"/>
+              <a:t> </a:t>
+            </a:r>
+          </a:p>
+        </p:txBody>
+      </p:sp>
+      <p:sp>
+        <p:nvSpPr>
+          <p:cNvPr id="8" name="Slide Number Placeholder 7">
+            <a:extLst>
+              <a:ext uri="{FF2B5EF4-FFF2-40B4-BE49-F238E27FC236}">
+                <a16:creationId xmlns:a16="http://schemas.microsoft.com/office/drawing/2014/main" id="{E6AC9832-FB01-464A-9824-61887B77997E}"/>
+              </a:ext>
+            </a:extLst>
+          </p:cNvPr>
+          <p:cNvSpPr>
+            <a:spLocks noGrp="1"/>
+          </p:cNvSpPr>
+          <p:nvPr>
+            <p:ph type="sldNum" sz="quarter" idx="33"/>
+          </p:nvPr>
+        </p:nvSpPr>
+        <p:spPr>
+          <a:xfrm>
+            <a:off x="11447502" y="6401750"/>
+            <a:ext cx="278418" cy="274324"/>
+          </a:xfrm>
+        </p:spPr>
+        <p:txBody>
+          <a:bodyPr/>
+          <a:lstStyle/>
+          <a:p>
+            <a:fld id="{19B51A1E-902D-48AF-9020-955120F399B6}" type="slidenum">
+              <a:rPr lang="en-US" smtClean="0"/>
+              <a:pPr/>
+              <a:t>13</a:t>
             </a:fld>
             <a:endParaRPr lang="en-US" dirty="0"/>
           </a:p>
@@ -10555,7 +10949,7 @@
 </p:sld>
 </file>
 
-<file path=ppt/slides/slide13.xml><?xml version="1.0" encoding="utf-8"?>
+<file path=ppt/slides/slide14.xml><?xml version="1.0" encoding="utf-8"?>
 <p:sld xmlns:a="http://schemas.openxmlformats.org/drawingml/2006/main" xmlns:r="http://schemas.openxmlformats.org/officeDocument/2006/relationships" xmlns:p="http://schemas.openxmlformats.org/presentationml/2006/main">
   <p:cSld>
     <p:spTree>
@@ -10720,7 +11114,7 @@
             <a:fld id="{19B51A1E-902D-48AF-9020-955120F399B6}" type="slidenum">
               <a:rPr lang="en-US" smtClean="0"/>
               <a:pPr/>
-              <a:t>13</a:t>
+              <a:t>14</a:t>
             </a:fld>
             <a:endParaRPr lang="en-US" dirty="0"/>
           </a:p>
@@ -11261,7 +11655,7 @@
 </p:sld>
 </file>
 
-<file path=ppt/slides/slide14.xml><?xml version="1.0" encoding="utf-8"?>
+<file path=ppt/slides/slide15.xml><?xml version="1.0" encoding="utf-8"?>
 <p:sld xmlns:a="http://schemas.openxmlformats.org/drawingml/2006/main" xmlns:r="http://schemas.openxmlformats.org/officeDocument/2006/relationships" xmlns:p="http://schemas.openxmlformats.org/presentationml/2006/main">
   <p:cSld>
     <p:spTree>
@@ -11441,7 +11835,7 @@
             <a:fld id="{19B51A1E-902D-48AF-9020-955120F399B6}" type="slidenum">
               <a:rPr lang="en-US" smtClean="0"/>
               <a:pPr/>
-              <a:t>14</a:t>
+              <a:t>15</a:t>
             </a:fld>
             <a:endParaRPr lang="en-US" dirty="0"/>
           </a:p>
@@ -11934,11 +12328,12 @@
             <a:pPr lvl="1"/>
             <a:r>
               <a:rPr lang="en-US" dirty="0"/>
-              <a:t>Admin ability to delete cards</a:t>
-            </a:r>
-          </a:p>
-          <a:p>
-            <a:pPr lvl="1"/>
+              <a:t>Admin ability to delete </a:t>
+            </a:r>
+            <a:r>
+              <a:rPr lang="en-US" dirty="0" smtClean="0"/>
+              <a:t>cards</a:t>
+            </a:r>
             <a:endParaRPr lang="en-US" dirty="0"/>
           </a:p>
           <a:p>
@@ -11966,7 +12361,7 @@
 </p:sld>
 </file>
 
-<file path=ppt/slides/slide15.xml><?xml version="1.0" encoding="utf-8"?>
+<file path=ppt/slides/slide16.xml><?xml version="1.0" encoding="utf-8"?>
 <p:sld xmlns:a="http://schemas.openxmlformats.org/drawingml/2006/main" xmlns:r="http://schemas.openxmlformats.org/officeDocument/2006/relationships" xmlns:p="http://schemas.openxmlformats.org/presentationml/2006/main">
   <p:cSld>
     <p:spTree>
@@ -13517,7 +13912,7 @@
           <p:cNvPr id="2" name="Title 1">
             <a:extLst>
               <a:ext uri="{FF2B5EF4-FFF2-40B4-BE49-F238E27FC236}">
-                <a16:creationId xmlns:a16="http://schemas.microsoft.com/office/drawing/2014/main" id="{AEA5083B-CC27-4F1C-AD03-E3DBEC1C9E78}"/>
+                <a16:creationId xmlns:a16="http://schemas.microsoft.com/office/drawing/2014/main" id="{19304E83-A4F0-49C5-BB01-F5773509A2B3}"/>
               </a:ext>
             </a:extLst>
           </p:cNvPr>
@@ -13534,99 +13929,77 @@
           <a:lstStyle/>
           <a:p>
             <a:r>
+              <a:rPr lang="en-US" dirty="0" smtClean="0"/>
+              <a:t>KANBAN</a:t>
+            </a:r>
+            <a:endParaRPr lang="en-US" dirty="0"/>
+          </a:p>
+        </p:txBody>
+      </p:sp>
+      <p:sp>
+        <p:nvSpPr>
+          <p:cNvPr id="5" name="Content Placeholder 4">
+            <a:extLst>
+              <a:ext uri="{FF2B5EF4-FFF2-40B4-BE49-F238E27FC236}">
+                <a16:creationId xmlns:a16="http://schemas.microsoft.com/office/drawing/2014/main" id="{CEEB3BAE-C0B2-447C-B8BE-96C6BD84D658}"/>
+              </a:ext>
+            </a:extLst>
+          </p:cNvPr>
+          <p:cNvSpPr>
+            <a:spLocks noGrp="1"/>
+          </p:cNvSpPr>
+          <p:nvPr>
+            <p:ph sz="half" idx="2"/>
+          </p:nvPr>
+        </p:nvSpPr>
+        <p:spPr>
+          <a:xfrm>
+            <a:off x="599704" y="2255365"/>
+            <a:ext cx="4854811" cy="2520000"/>
+          </a:xfrm>
+        </p:spPr>
+        <p:txBody>
+          <a:bodyPr/>
+          <a:lstStyle/>
+          <a:p>
+            <a:pPr marL="266700" lvl="1" indent="0">
+              <a:buNone/>
+            </a:pPr>
+            <a:endParaRPr lang="en-US" dirty="0"/>
+          </a:p>
+          <a:p>
+            <a:pPr marL="266700" lvl="1" indent="0">
+              <a:buNone/>
+            </a:pPr>
+            <a:r>
               <a:rPr lang="en-US" dirty="0"/>
-              <a:t>Technologies</a:t>
-            </a:r>
-          </a:p>
-        </p:txBody>
-      </p:sp>
-      <p:sp>
-        <p:nvSpPr>
-          <p:cNvPr id="4" name="Content Placeholder 3">
-            <a:extLst>
-              <a:ext uri="{FF2B5EF4-FFF2-40B4-BE49-F238E27FC236}">
-                <a16:creationId xmlns:a16="http://schemas.microsoft.com/office/drawing/2014/main" id="{125E40B9-054F-4D79-BD17-68E71C740D01}"/>
-              </a:ext>
-            </a:extLst>
-          </p:cNvPr>
-          <p:cNvSpPr>
-            <a:spLocks noGrp="1"/>
-          </p:cNvSpPr>
-          <p:nvPr>
-            <p:ph sz="half" idx="1"/>
-          </p:nvPr>
-        </p:nvSpPr>
-        <p:spPr/>
-        <p:txBody>
-          <a:bodyPr/>
-          <a:lstStyle/>
-          <a:p>
-            <a:r>
-              <a:rPr lang="en-US" dirty="0"/>
-              <a:t>Jenkins</a:t>
-            </a:r>
-          </a:p>
-          <a:p>
-            <a:r>
-              <a:rPr lang="en-US" dirty="0"/>
-              <a:t>Green Unicorn</a:t>
-            </a:r>
-          </a:p>
-          <a:p>
-            <a:r>
-              <a:rPr lang="en-US" dirty="0"/>
-              <a:t>Flask</a:t>
-            </a:r>
-          </a:p>
-          <a:p>
-            <a:r>
-              <a:rPr lang="en-US" dirty="0"/>
-              <a:t>Git</a:t>
-            </a:r>
-          </a:p>
-          <a:p>
-            <a:r>
-              <a:rPr lang="en-US" dirty="0"/>
-              <a:t>GCP</a:t>
-            </a:r>
-          </a:p>
-          <a:p>
-            <a:r>
-              <a:rPr lang="en-US" dirty="0"/>
-              <a:t>Python</a:t>
-            </a:r>
-          </a:p>
-          <a:p>
-            <a:r>
-              <a:rPr lang="en-US" dirty="0"/>
-              <a:t>MySQL</a:t>
-            </a:r>
-          </a:p>
-          <a:p>
-            <a:endParaRPr lang="en-US" dirty="0"/>
-          </a:p>
-          <a:p>
-            <a:endParaRPr lang="en-US" dirty="0"/>
-          </a:p>
-        </p:txBody>
-      </p:sp>
-      <p:sp>
-        <p:nvSpPr>
-          <p:cNvPr id="6" name="Slide Number Placeholder 5">
-            <a:extLst>
-              <a:ext uri="{FF2B5EF4-FFF2-40B4-BE49-F238E27FC236}">
-                <a16:creationId xmlns:a16="http://schemas.microsoft.com/office/drawing/2014/main" id="{46D051DA-5DAD-43A7-A238-51C63BA59FEC}"/>
-              </a:ext>
-            </a:extLst>
-          </p:cNvPr>
-          <p:cNvSpPr>
-            <a:spLocks noGrp="1"/>
-          </p:cNvSpPr>
-          <p:nvPr>
-            <p:ph type="sldNum" sz="quarter" idx="34"/>
-          </p:nvPr>
-        </p:nvSpPr>
-        <p:spPr/>
+              <a:t> </a:t>
+            </a:r>
+          </a:p>
+        </p:txBody>
+      </p:sp>
+      <p:sp>
+        <p:nvSpPr>
+          <p:cNvPr id="8" name="Slide Number Placeholder 7">
+            <a:extLst>
+              <a:ext uri="{FF2B5EF4-FFF2-40B4-BE49-F238E27FC236}">
+                <a16:creationId xmlns:a16="http://schemas.microsoft.com/office/drawing/2014/main" id="{E6AC9832-FB01-464A-9824-61887B77997E}"/>
+              </a:ext>
+            </a:extLst>
+          </p:cNvPr>
+          <p:cNvSpPr>
+            <a:spLocks noGrp="1"/>
+          </p:cNvSpPr>
+          <p:nvPr>
+            <p:ph type="sldNum" sz="quarter" idx="33"/>
+          </p:nvPr>
+        </p:nvSpPr>
+        <p:spPr>
+          <a:xfrm>
+            <a:off x="11447502" y="6401750"/>
+            <a:ext cx="278418" cy="274324"/>
+          </a:xfrm>
+        </p:spPr>
         <p:txBody>
           <a:bodyPr/>
           <a:lstStyle/>
@@ -13640,37 +14013,12 @@
           </a:p>
         </p:txBody>
       </p:sp>
-      <p:pic>
-        <p:nvPicPr>
-          <p:cNvPr id="8" name="Picture Placeholder 7" descr="A picture containing drawing&#10;&#10;Description automatically generated">
-            <a:extLst>
-              <a:ext uri="{FF2B5EF4-FFF2-40B4-BE49-F238E27FC236}">
-                <a16:creationId xmlns:a16="http://schemas.microsoft.com/office/drawing/2014/main" id="{9A0A8CCF-F979-4EC1-94E9-A19A8C71761B}"/>
-              </a:ext>
-            </a:extLst>
-          </p:cNvPr>
-          <p:cNvPicPr>
-            <a:picLocks noGrp="1" noChangeAspect="1"/>
-          </p:cNvPicPr>
-          <p:nvPr>
-            <p:ph type="pic" sz="quarter" idx="14"/>
-          </p:nvPr>
-        </p:nvPicPr>
-        <p:blipFill>
-          <a:blip r:embed="rId3"/>
-          <a:srcRect l="4679" r="4679"/>
-          <a:stretch>
-            <a:fillRect/>
-          </a:stretch>
-        </p:blipFill>
-        <p:spPr/>
-      </p:pic>
-      <p:sp>
-        <p:nvSpPr>
-          <p:cNvPr id="10" name="Rectangle 9">
-            <a:extLst>
-              <a:ext uri="{FF2B5EF4-FFF2-40B4-BE49-F238E27FC236}">
-                <a16:creationId xmlns:a16="http://schemas.microsoft.com/office/drawing/2014/main" id="{81BF3D85-2275-4EDB-AD31-64217018CF8E}"/>
+      <p:sp>
+        <p:nvSpPr>
+          <p:cNvPr id="9" name="Rectangle 8">
+            <a:extLst>
+              <a:ext uri="{FF2B5EF4-FFF2-40B4-BE49-F238E27FC236}">
+                <a16:creationId xmlns:a16="http://schemas.microsoft.com/office/drawing/2014/main" id="{485D5CD8-988C-4AE0-AD2C-7E92899A66B4}"/>
               </a:ext>
             </a:extLst>
           </p:cNvPr>
@@ -13719,10 +14067,40 @@
           </a:p>
         </p:txBody>
       </p:sp>
+      <p:pic>
+        <p:nvPicPr>
+          <p:cNvPr id="6" name="Picture 5"/>
+          <p:cNvPicPr>
+            <a:picLocks noChangeAspect="1"/>
+          </p:cNvPicPr>
+          <p:nvPr/>
+        </p:nvPicPr>
+        <p:blipFill>
+          <a:blip r:embed="rId3">
+            <a:extLst>
+              <a:ext uri="{28A0092B-C50C-407E-A947-70E740481C1C}">
+                <a14:useLocalDpi xmlns:a14="http://schemas.microsoft.com/office/drawing/2010/main" val="0"/>
+              </a:ext>
+            </a:extLst>
+          </a:blip>
+          <a:stretch>
+            <a:fillRect/>
+          </a:stretch>
+        </p:blipFill>
+        <p:spPr>
+          <a:xfrm>
+            <a:off x="432000" y="1103864"/>
+            <a:ext cx="10549113" cy="5059037"/>
+          </a:xfrm>
+          <a:prstGeom prst="rect">
+            <a:avLst/>
+          </a:prstGeom>
+        </p:spPr>
+      </p:pic>
     </p:spTree>
     <p:extLst>
       <p:ext uri="{BB962C8B-B14F-4D97-AF65-F5344CB8AC3E}">
-        <p14:creationId xmlns:p14="http://schemas.microsoft.com/office/powerpoint/2010/main" val="3640701659"/>
+        <p14:creationId xmlns:p14="http://schemas.microsoft.com/office/powerpoint/2010/main" val="2963345244"/>
       </p:ext>
     </p:extLst>
   </p:cSld>
@@ -13751,51 +14129,116 @@
       </p:grpSpPr>
       <p:sp>
         <p:nvSpPr>
-          <p:cNvPr id="3" name="Title 2">
-            <a:extLst>
-              <a:ext uri="{FF2B5EF4-FFF2-40B4-BE49-F238E27FC236}">
-                <a16:creationId xmlns:a16="http://schemas.microsoft.com/office/drawing/2014/main" id="{200B3D2B-613A-41BE-987D-E6A1324B456D}"/>
-              </a:ext>
-            </a:extLst>
-          </p:cNvPr>
-          <p:cNvSpPr>
-            <a:spLocks noGrp="1"/>
-          </p:cNvSpPr>
-          <p:nvPr>
-            <p:ph type="ctrTitle"/>
-          </p:nvPr>
-        </p:nvSpPr>
-        <p:spPr>
-          <a:xfrm>
-            <a:off x="599704" y="504701"/>
-            <a:ext cx="2934814" cy="884688"/>
-          </a:xfrm>
-        </p:spPr>
+          <p:cNvPr id="2" name="Title 1">
+            <a:extLst>
+              <a:ext uri="{FF2B5EF4-FFF2-40B4-BE49-F238E27FC236}">
+                <a16:creationId xmlns:a16="http://schemas.microsoft.com/office/drawing/2014/main" id="{AEA5083B-CC27-4F1C-AD03-E3DBEC1C9E78}"/>
+              </a:ext>
+            </a:extLst>
+          </p:cNvPr>
+          <p:cNvSpPr>
+            <a:spLocks noGrp="1"/>
+          </p:cNvSpPr>
+          <p:nvPr>
+            <p:ph type="title"/>
+          </p:nvPr>
+        </p:nvSpPr>
+        <p:spPr/>
         <p:txBody>
           <a:bodyPr/>
           <a:lstStyle/>
           <a:p>
             <a:r>
               <a:rPr lang="en-US" dirty="0"/>
-              <a:t>Create</a:t>
-            </a:r>
-          </a:p>
-        </p:txBody>
-      </p:sp>
-      <p:sp>
-        <p:nvSpPr>
-          <p:cNvPr id="5" name="Slide Number Placeholder 4">
-            <a:extLst>
-              <a:ext uri="{FF2B5EF4-FFF2-40B4-BE49-F238E27FC236}">
-                <a16:creationId xmlns:a16="http://schemas.microsoft.com/office/drawing/2014/main" id="{BDD5A594-D852-43BB-B591-E9D9027253BD}"/>
-              </a:ext>
-            </a:extLst>
-          </p:cNvPr>
-          <p:cNvSpPr>
-            <a:spLocks noGrp="1"/>
-          </p:cNvSpPr>
-          <p:nvPr>
-            <p:ph type="sldNum" sz="quarter" idx="11"/>
+              <a:t>Technologies</a:t>
+            </a:r>
+          </a:p>
+        </p:txBody>
+      </p:sp>
+      <p:sp>
+        <p:nvSpPr>
+          <p:cNvPr id="4" name="Content Placeholder 3">
+            <a:extLst>
+              <a:ext uri="{FF2B5EF4-FFF2-40B4-BE49-F238E27FC236}">
+                <a16:creationId xmlns:a16="http://schemas.microsoft.com/office/drawing/2014/main" id="{125E40B9-054F-4D79-BD17-68E71C740D01}"/>
+              </a:ext>
+            </a:extLst>
+          </p:cNvPr>
+          <p:cNvSpPr>
+            <a:spLocks noGrp="1"/>
+          </p:cNvSpPr>
+          <p:nvPr>
+            <p:ph sz="half" idx="1"/>
+          </p:nvPr>
+        </p:nvSpPr>
+        <p:spPr/>
+        <p:txBody>
+          <a:bodyPr/>
+          <a:lstStyle/>
+          <a:p>
+            <a:r>
+              <a:rPr lang="en-US" dirty="0"/>
+              <a:t>Jenkins</a:t>
+            </a:r>
+          </a:p>
+          <a:p>
+            <a:r>
+              <a:rPr lang="en-US" dirty="0"/>
+              <a:t>Green Unicorn</a:t>
+            </a:r>
+          </a:p>
+          <a:p>
+            <a:r>
+              <a:rPr lang="en-US" dirty="0"/>
+              <a:t>Flask</a:t>
+            </a:r>
+          </a:p>
+          <a:p>
+            <a:r>
+              <a:rPr lang="en-US" dirty="0"/>
+              <a:t>Git</a:t>
+            </a:r>
+          </a:p>
+          <a:p>
+            <a:r>
+              <a:rPr lang="en-US" dirty="0"/>
+              <a:t>GCP</a:t>
+            </a:r>
+          </a:p>
+          <a:p>
+            <a:r>
+              <a:rPr lang="en-US" dirty="0"/>
+              <a:t>Python</a:t>
+            </a:r>
+          </a:p>
+          <a:p>
+            <a:r>
+              <a:rPr lang="en-US" dirty="0"/>
+              <a:t>MySQL</a:t>
+            </a:r>
+          </a:p>
+          <a:p>
+            <a:endParaRPr lang="en-US" dirty="0"/>
+          </a:p>
+          <a:p>
+            <a:endParaRPr lang="en-US" dirty="0"/>
+          </a:p>
+        </p:txBody>
+      </p:sp>
+      <p:sp>
+        <p:nvSpPr>
+          <p:cNvPr id="6" name="Slide Number Placeholder 5">
+            <a:extLst>
+              <a:ext uri="{FF2B5EF4-FFF2-40B4-BE49-F238E27FC236}">
+                <a16:creationId xmlns:a16="http://schemas.microsoft.com/office/drawing/2014/main" id="{46D051DA-5DAD-43A7-A238-51C63BA59FEC}"/>
+              </a:ext>
+            </a:extLst>
+          </p:cNvPr>
+          <p:cNvSpPr>
+            <a:spLocks noGrp="1"/>
+          </p:cNvSpPr>
+          <p:nvPr>
+            <p:ph type="sldNum" sz="quarter" idx="34"/>
           </p:nvPr>
         </p:nvSpPr>
         <p:spPr/>
@@ -13812,12 +14255,37 @@
           </a:p>
         </p:txBody>
       </p:sp>
-      <p:sp>
-        <p:nvSpPr>
-          <p:cNvPr id="6" name="Rectangle 5">
-            <a:extLst>
-              <a:ext uri="{FF2B5EF4-FFF2-40B4-BE49-F238E27FC236}">
-                <a16:creationId xmlns:a16="http://schemas.microsoft.com/office/drawing/2014/main" id="{D04D6DD3-B2EF-477E-8BEB-BE14D4F25B9C}"/>
+      <p:pic>
+        <p:nvPicPr>
+          <p:cNvPr id="8" name="Picture Placeholder 7" descr="A picture containing drawing&#10;&#10;Description automatically generated">
+            <a:extLst>
+              <a:ext uri="{FF2B5EF4-FFF2-40B4-BE49-F238E27FC236}">
+                <a16:creationId xmlns:a16="http://schemas.microsoft.com/office/drawing/2014/main" id="{9A0A8CCF-F979-4EC1-94E9-A19A8C71761B}"/>
+              </a:ext>
+            </a:extLst>
+          </p:cNvPr>
+          <p:cNvPicPr>
+            <a:picLocks noGrp="1" noChangeAspect="1"/>
+          </p:cNvPicPr>
+          <p:nvPr>
+            <p:ph type="pic" sz="quarter" idx="14"/>
+          </p:nvPr>
+        </p:nvPicPr>
+        <p:blipFill>
+          <a:blip r:embed="rId3"/>
+          <a:srcRect l="4679" r="4679"/>
+          <a:stretch>
+            <a:fillRect/>
+          </a:stretch>
+        </p:blipFill>
+        <p:spPr/>
+      </p:pic>
+      <p:sp>
+        <p:nvSpPr>
+          <p:cNvPr id="10" name="Rectangle 9">
+            <a:extLst>
+              <a:ext uri="{FF2B5EF4-FFF2-40B4-BE49-F238E27FC236}">
+                <a16:creationId xmlns:a16="http://schemas.microsoft.com/office/drawing/2014/main" id="{81BF3D85-2275-4EDB-AD31-64217018CF8E}"/>
               </a:ext>
             </a:extLst>
           </p:cNvPr>
@@ -13866,100 +14334,10 @@
           </a:p>
         </p:txBody>
       </p:sp>
-      <p:pic>
-        <p:nvPicPr>
-          <p:cNvPr id="7" name="Picture 6" descr="A screenshot of a cell phone&#10;&#10;Description automatically generated">
-            <a:extLst>
-              <a:ext uri="{FF2B5EF4-FFF2-40B4-BE49-F238E27FC236}">
-                <a16:creationId xmlns:a16="http://schemas.microsoft.com/office/drawing/2014/main" id="{FA1FFEE2-5C5E-4648-8A60-4E99B19B3F2D}"/>
-              </a:ext>
-            </a:extLst>
-          </p:cNvPr>
-          <p:cNvPicPr>
-            <a:picLocks noChangeAspect="1"/>
-          </p:cNvPicPr>
-          <p:nvPr/>
-        </p:nvPicPr>
-        <p:blipFill>
-          <a:blip r:embed="rId3"/>
-          <a:stretch>
-            <a:fillRect/>
-          </a:stretch>
-        </p:blipFill>
-        <p:spPr>
-          <a:xfrm>
-            <a:off x="5647614" y="899167"/>
-            <a:ext cx="2114320" cy="1374957"/>
-          </a:xfrm>
-          <a:prstGeom prst="rect">
-            <a:avLst/>
-          </a:prstGeom>
-        </p:spPr>
-      </p:pic>
-      <p:pic>
-        <p:nvPicPr>
-          <p:cNvPr id="9" name="Picture 8" descr="A screenshot of a cell phone&#10;&#10;Description automatically generated">
-            <a:extLst>
-              <a:ext uri="{FF2B5EF4-FFF2-40B4-BE49-F238E27FC236}">
-                <a16:creationId xmlns:a16="http://schemas.microsoft.com/office/drawing/2014/main" id="{79F1A0E7-9E3F-4F1C-811E-666C5DDC3C72}"/>
-              </a:ext>
-            </a:extLst>
-          </p:cNvPr>
-          <p:cNvPicPr>
-            <a:picLocks noChangeAspect="1"/>
-          </p:cNvPicPr>
-          <p:nvPr/>
-        </p:nvPicPr>
-        <p:blipFill>
-          <a:blip r:embed="rId4"/>
-          <a:stretch>
-            <a:fillRect/>
-          </a:stretch>
-        </p:blipFill>
-        <p:spPr>
-          <a:xfrm>
-            <a:off x="1567543" y="2437478"/>
-            <a:ext cx="2120763" cy="2410557"/>
-          </a:xfrm>
-          <a:prstGeom prst="rect">
-            <a:avLst/>
-          </a:prstGeom>
-        </p:spPr>
-      </p:pic>
-      <p:pic>
-        <p:nvPicPr>
-          <p:cNvPr id="12" name="Picture 11" descr="A close up of an object&#10;&#10;Description automatically generated">
-            <a:extLst>
-              <a:ext uri="{FF2B5EF4-FFF2-40B4-BE49-F238E27FC236}">
-                <a16:creationId xmlns:a16="http://schemas.microsoft.com/office/drawing/2014/main" id="{2753535E-1F38-4FCF-83B8-0CD9B3DD9A44}"/>
-              </a:ext>
-            </a:extLst>
-          </p:cNvPr>
-          <p:cNvPicPr>
-            <a:picLocks noChangeAspect="1"/>
-          </p:cNvPicPr>
-          <p:nvPr/>
-        </p:nvPicPr>
-        <p:blipFill>
-          <a:blip r:embed="rId5"/>
-          <a:stretch>
-            <a:fillRect/>
-          </a:stretch>
-        </p:blipFill>
-        <p:spPr>
-          <a:xfrm>
-            <a:off x="6489865" y="4207317"/>
-            <a:ext cx="2071479" cy="1426147"/>
-          </a:xfrm>
-          <a:prstGeom prst="rect">
-            <a:avLst/>
-          </a:prstGeom>
-        </p:spPr>
-      </p:pic>
     </p:spTree>
     <p:extLst>
       <p:ext uri="{BB962C8B-B14F-4D97-AF65-F5344CB8AC3E}">
-        <p14:creationId xmlns:p14="http://schemas.microsoft.com/office/powerpoint/2010/main" val="4091674644"/>
+        <p14:creationId xmlns:p14="http://schemas.microsoft.com/office/powerpoint/2010/main" val="3640701659"/>
       </p:ext>
     </p:extLst>
   </p:cSld>
@@ -14004,8 +14382,8 @@
         </p:nvSpPr>
         <p:spPr>
           <a:xfrm>
-            <a:off x="831271" y="742207"/>
-            <a:ext cx="2115417" cy="849062"/>
+            <a:off x="599704" y="504701"/>
+            <a:ext cx="2934814" cy="884688"/>
           </a:xfrm>
         </p:spPr>
         <p:txBody>
@@ -14014,7 +14392,7 @@
           <a:p>
             <a:r>
               <a:rPr lang="en-US" dirty="0"/>
-              <a:t>Read</a:t>
+              <a:t>Create</a:t>
             </a:r>
           </a:p>
         </p:txBody>
@@ -14105,10 +14483,10 @@
       </p:sp>
       <p:pic>
         <p:nvPicPr>
-          <p:cNvPr id="7" name="Picture 6" descr="A screenshot of a social media post&#10;&#10;Description automatically generated">
-            <a:extLst>
-              <a:ext uri="{FF2B5EF4-FFF2-40B4-BE49-F238E27FC236}">
-                <a16:creationId xmlns:a16="http://schemas.microsoft.com/office/drawing/2014/main" id="{34FAB2A4-4A13-4437-AD29-B405F6209025}"/>
+          <p:cNvPr id="7" name="Picture 6" descr="A screenshot of a cell phone&#10;&#10;Description automatically generated">
+            <a:extLst>
+              <a:ext uri="{FF2B5EF4-FFF2-40B4-BE49-F238E27FC236}">
+                <a16:creationId xmlns:a16="http://schemas.microsoft.com/office/drawing/2014/main" id="{FA1FFEE2-5C5E-4648-8A60-4E99B19B3F2D}"/>
               </a:ext>
             </a:extLst>
           </p:cNvPr>
@@ -14125,8 +14503,8 @@
         </p:blipFill>
         <p:spPr>
           <a:xfrm>
-            <a:off x="785461" y="2723028"/>
-            <a:ext cx="4174093" cy="2666034"/>
+            <a:off x="5647614" y="899167"/>
+            <a:ext cx="2114320" cy="1374957"/>
           </a:xfrm>
           <a:prstGeom prst="rect">
             <a:avLst/>
@@ -14138,7 +14516,7 @@
           <p:cNvPr id="9" name="Picture 8" descr="A screenshot of a cell phone&#10;&#10;Description automatically generated">
             <a:extLst>
               <a:ext uri="{FF2B5EF4-FFF2-40B4-BE49-F238E27FC236}">
-                <a16:creationId xmlns:a16="http://schemas.microsoft.com/office/drawing/2014/main" id="{7999732C-5991-4D5A-967F-C7BF84D98DC7}"/>
+                <a16:creationId xmlns:a16="http://schemas.microsoft.com/office/drawing/2014/main" id="{79F1A0E7-9E3F-4F1C-811E-666C5DDC3C72}"/>
               </a:ext>
             </a:extLst>
           </p:cNvPr>
@@ -14155,8 +14533,8 @@
         </p:blipFill>
         <p:spPr>
           <a:xfrm>
-            <a:off x="6684349" y="855022"/>
-            <a:ext cx="2087050" cy="2208445"/>
+            <a:off x="1567543" y="2437478"/>
+            <a:ext cx="2120763" cy="2410557"/>
           </a:xfrm>
           <a:prstGeom prst="rect">
             <a:avLst/>
@@ -14165,10 +14543,10 @@
       </p:pic>
       <p:pic>
         <p:nvPicPr>
-          <p:cNvPr id="15" name="Picture 14" descr="A close up of a sign&#10;&#10;Description automatically generated">
-            <a:extLst>
-              <a:ext uri="{FF2B5EF4-FFF2-40B4-BE49-F238E27FC236}">
-                <a16:creationId xmlns:a16="http://schemas.microsoft.com/office/drawing/2014/main" id="{5CAD9B02-CD12-4C73-BB6D-DEB216E7E03D}"/>
+          <p:cNvPr id="12" name="Picture 11" descr="A close up of an object&#10;&#10;Description automatically generated">
+            <a:extLst>
+              <a:ext uri="{FF2B5EF4-FFF2-40B4-BE49-F238E27FC236}">
+                <a16:creationId xmlns:a16="http://schemas.microsoft.com/office/drawing/2014/main" id="{2753535E-1F38-4FCF-83B8-0CD9B3DD9A44}"/>
               </a:ext>
             </a:extLst>
           </p:cNvPr>
@@ -14185,8 +14563,8 @@
         </p:blipFill>
         <p:spPr>
           <a:xfrm>
-            <a:off x="6584867" y="3689048"/>
-            <a:ext cx="1526721" cy="2223380"/>
+            <a:off x="6489865" y="4207317"/>
+            <a:ext cx="2071479" cy="1426147"/>
           </a:xfrm>
           <a:prstGeom prst="rect">
             <a:avLst/>
@@ -14196,7 +14574,7 @@
     </p:spTree>
     <p:extLst>
       <p:ext uri="{BB962C8B-B14F-4D97-AF65-F5344CB8AC3E}">
-        <p14:creationId xmlns:p14="http://schemas.microsoft.com/office/powerpoint/2010/main" val="4026496476"/>
+        <p14:creationId xmlns:p14="http://schemas.microsoft.com/office/powerpoint/2010/main" val="4091674644"/>
       </p:ext>
     </p:extLst>
   </p:cSld>
@@ -14242,7 +14620,7 @@
         <p:spPr>
           <a:xfrm>
             <a:off x="831271" y="742207"/>
-            <a:ext cx="2933207" cy="849062"/>
+            <a:ext cx="2115417" cy="849062"/>
           </a:xfrm>
         </p:spPr>
         <p:txBody>
@@ -14251,7 +14629,7 @@
           <a:p>
             <a:r>
               <a:rPr lang="en-US" dirty="0"/>
-              <a:t>Update</a:t>
+              <a:t>Read</a:t>
             </a:r>
           </a:p>
         </p:txBody>
@@ -14342,10 +14720,10 @@
       </p:sp>
       <p:pic>
         <p:nvPicPr>
-          <p:cNvPr id="8" name="Picture 7" descr="A screenshot of a cell phone&#10;&#10;Description automatically generated">
-            <a:extLst>
-              <a:ext uri="{FF2B5EF4-FFF2-40B4-BE49-F238E27FC236}">
-                <a16:creationId xmlns:a16="http://schemas.microsoft.com/office/drawing/2014/main" id="{DF3F16A2-4782-4AB7-B832-51D39D6107B8}"/>
+          <p:cNvPr id="7" name="Picture 6" descr="A screenshot of a social media post&#10;&#10;Description automatically generated">
+            <a:extLst>
+              <a:ext uri="{FF2B5EF4-FFF2-40B4-BE49-F238E27FC236}">
+                <a16:creationId xmlns:a16="http://schemas.microsoft.com/office/drawing/2014/main" id="{34FAB2A4-4A13-4437-AD29-B405F6209025}"/>
               </a:ext>
             </a:extLst>
           </p:cNvPr>
@@ -14362,8 +14740,8 @@
         </p:blipFill>
         <p:spPr>
           <a:xfrm>
-            <a:off x="6296550" y="538408"/>
-            <a:ext cx="2059735" cy="2549177"/>
+            <a:off x="785461" y="2723028"/>
+            <a:ext cx="4174093" cy="2666034"/>
           </a:xfrm>
           <a:prstGeom prst="rect">
             <a:avLst/>
@@ -14372,10 +14750,10 @@
       </p:pic>
       <p:pic>
         <p:nvPicPr>
-          <p:cNvPr id="11" name="Picture 10" descr="A screenshot of a cell phone&#10;&#10;Description automatically generated">
-            <a:extLst>
-              <a:ext uri="{FF2B5EF4-FFF2-40B4-BE49-F238E27FC236}">
-                <a16:creationId xmlns:a16="http://schemas.microsoft.com/office/drawing/2014/main" id="{FE66D31A-19DB-4609-9951-829C904E12CA}"/>
+          <p:cNvPr id="9" name="Picture 8" descr="A screenshot of a cell phone&#10;&#10;Description automatically generated">
+            <a:extLst>
+              <a:ext uri="{FF2B5EF4-FFF2-40B4-BE49-F238E27FC236}">
+                <a16:creationId xmlns:a16="http://schemas.microsoft.com/office/drawing/2014/main" id="{7999732C-5991-4D5A-967F-C7BF84D98DC7}"/>
               </a:ext>
             </a:extLst>
           </p:cNvPr>
@@ -14392,8 +14770,8 @@
         </p:blipFill>
         <p:spPr>
           <a:xfrm>
-            <a:off x="691226" y="2784764"/>
-            <a:ext cx="3213295" cy="1583020"/>
+            <a:off x="6684349" y="855022"/>
+            <a:ext cx="2087050" cy="2208445"/>
           </a:xfrm>
           <a:prstGeom prst="rect">
             <a:avLst/>
@@ -14402,10 +14780,10 @@
       </p:pic>
       <p:pic>
         <p:nvPicPr>
-          <p:cNvPr id="13" name="Picture 12" descr="A close up of a sign&#10;&#10;Description automatically generated">
-            <a:extLst>
-              <a:ext uri="{FF2B5EF4-FFF2-40B4-BE49-F238E27FC236}">
-                <a16:creationId xmlns:a16="http://schemas.microsoft.com/office/drawing/2014/main" id="{0BF43A4E-A221-46A2-9B45-6B0116C81567}"/>
+          <p:cNvPr id="15" name="Picture 14" descr="A close up of a sign&#10;&#10;Description automatically generated">
+            <a:extLst>
+              <a:ext uri="{FF2B5EF4-FFF2-40B4-BE49-F238E27FC236}">
+                <a16:creationId xmlns:a16="http://schemas.microsoft.com/office/drawing/2014/main" id="{5CAD9B02-CD12-4C73-BB6D-DEB216E7E03D}"/>
               </a:ext>
             </a:extLst>
           </p:cNvPr>
@@ -14422,8 +14800,8 @@
         </p:blipFill>
         <p:spPr>
           <a:xfrm>
-            <a:off x="4787689" y="3590366"/>
-            <a:ext cx="1508861" cy="2200572"/>
+            <a:off x="6584867" y="3689048"/>
+            <a:ext cx="1526721" cy="2223380"/>
           </a:xfrm>
           <a:prstGeom prst="rect">
             <a:avLst/>
@@ -14433,7 +14811,7 @@
     </p:spTree>
     <p:extLst>
       <p:ext uri="{BB962C8B-B14F-4D97-AF65-F5344CB8AC3E}">
-        <p14:creationId xmlns:p14="http://schemas.microsoft.com/office/powerpoint/2010/main" val="2471880940"/>
+        <p14:creationId xmlns:p14="http://schemas.microsoft.com/office/powerpoint/2010/main" val="4026496476"/>
       </p:ext>
     </p:extLst>
   </p:cSld>
@@ -14488,40 +14866,7 @@
           <a:p>
             <a:r>
               <a:rPr lang="en-US" dirty="0"/>
-              <a:t>Delete</a:t>
-            </a:r>
-          </a:p>
-        </p:txBody>
-      </p:sp>
-      <p:sp>
-        <p:nvSpPr>
-          <p:cNvPr id="4" name="Subtitle 3">
-            <a:extLst>
-              <a:ext uri="{FF2B5EF4-FFF2-40B4-BE49-F238E27FC236}">
-                <a16:creationId xmlns:a16="http://schemas.microsoft.com/office/drawing/2014/main" id="{4772945D-CA91-4CFE-8EB7-941C7618C994}"/>
-              </a:ext>
-            </a:extLst>
-          </p:cNvPr>
-          <p:cNvSpPr>
-            <a:spLocks noGrp="1"/>
-          </p:cNvSpPr>
-          <p:nvPr>
-            <p:ph type="subTitle" idx="1"/>
-          </p:nvPr>
-        </p:nvSpPr>
-        <p:spPr>
-          <a:xfrm>
-            <a:off x="6855159" y="4067299"/>
-            <a:ext cx="2657433" cy="1460665"/>
-          </a:xfrm>
-        </p:spPr>
-        <p:txBody>
-          <a:bodyPr/>
-          <a:lstStyle/>
-          <a:p>
-            <a:r>
-              <a:rPr lang="en-US" i="0" dirty="0"/>
-              <a:t>User deletion also removes all decks associated with that user</a:t>
+              <a:t>Update</a:t>
             </a:r>
           </a:p>
         </p:txBody>
@@ -14612,10 +14957,10 @@
       </p:sp>
       <p:pic>
         <p:nvPicPr>
-          <p:cNvPr id="9" name="Picture 8" descr="A screenshot of a cell phone&#10;&#10;Description automatically generated">
-            <a:extLst>
-              <a:ext uri="{FF2B5EF4-FFF2-40B4-BE49-F238E27FC236}">
-                <a16:creationId xmlns:a16="http://schemas.microsoft.com/office/drawing/2014/main" id="{D7379815-EE82-488D-81B4-E650189982A9}"/>
+          <p:cNvPr id="8" name="Picture 7" descr="A screenshot of a cell phone&#10;&#10;Description automatically generated">
+            <a:extLst>
+              <a:ext uri="{FF2B5EF4-FFF2-40B4-BE49-F238E27FC236}">
+                <a16:creationId xmlns:a16="http://schemas.microsoft.com/office/drawing/2014/main" id="{DF3F16A2-4782-4AB7-B832-51D39D6107B8}"/>
               </a:ext>
             </a:extLst>
           </p:cNvPr>
@@ -14632,8 +14977,8 @@
         </p:blipFill>
         <p:spPr>
           <a:xfrm>
-            <a:off x="4576479" y="742207"/>
-            <a:ext cx="2087050" cy="2208445"/>
+            <a:off x="6296550" y="538408"/>
+            <a:ext cx="2059735" cy="2549177"/>
           </a:xfrm>
           <a:prstGeom prst="rect">
             <a:avLst/>
@@ -14642,10 +14987,10 @@
       </p:pic>
       <p:pic>
         <p:nvPicPr>
-          <p:cNvPr id="7" name="Picture 6" descr="A screenshot of a cell phone&#10;&#10;Description automatically generated">
-            <a:extLst>
-              <a:ext uri="{FF2B5EF4-FFF2-40B4-BE49-F238E27FC236}">
-                <a16:creationId xmlns:a16="http://schemas.microsoft.com/office/drawing/2014/main" id="{6457B964-751A-45A4-97CA-AF38B7EB4339}"/>
+          <p:cNvPr id="11" name="Picture 10" descr="A screenshot of a cell phone&#10;&#10;Description automatically generated">
+            <a:extLst>
+              <a:ext uri="{FF2B5EF4-FFF2-40B4-BE49-F238E27FC236}">
+                <a16:creationId xmlns:a16="http://schemas.microsoft.com/office/drawing/2014/main" id="{FE66D31A-19DB-4609-9951-829C904E12CA}"/>
               </a:ext>
             </a:extLst>
           </p:cNvPr>
@@ -14662,8 +15007,8 @@
         </p:blipFill>
         <p:spPr>
           <a:xfrm>
-            <a:off x="6881093" y="742206"/>
-            <a:ext cx="1820998" cy="2208445"/>
+            <a:off x="691226" y="2784764"/>
+            <a:ext cx="3213295" cy="1583020"/>
           </a:xfrm>
           <a:prstGeom prst="rect">
             <a:avLst/>
@@ -14672,10 +15017,10 @@
       </p:pic>
       <p:pic>
         <p:nvPicPr>
-          <p:cNvPr id="12" name="Picture 11" descr="A screenshot of a cell phone&#10;&#10;Description automatically generated">
-            <a:extLst>
-              <a:ext uri="{FF2B5EF4-FFF2-40B4-BE49-F238E27FC236}">
-                <a16:creationId xmlns:a16="http://schemas.microsoft.com/office/drawing/2014/main" id="{9A60E7F2-6CD9-4631-B701-04DB073E23E2}"/>
+          <p:cNvPr id="13" name="Picture 12" descr="A close up of a sign&#10;&#10;Description automatically generated">
+            <a:extLst>
+              <a:ext uri="{FF2B5EF4-FFF2-40B4-BE49-F238E27FC236}">
+                <a16:creationId xmlns:a16="http://schemas.microsoft.com/office/drawing/2014/main" id="{0BF43A4E-A221-46A2-9B45-6B0116C81567}"/>
               </a:ext>
             </a:extLst>
           </p:cNvPr>
@@ -14692,38 +15037,8 @@
         </p:blipFill>
         <p:spPr>
           <a:xfrm>
-            <a:off x="336890" y="3144506"/>
-            <a:ext cx="2016450" cy="2662201"/>
-          </a:xfrm>
-          <a:prstGeom prst="rect">
-            <a:avLst/>
-          </a:prstGeom>
-        </p:spPr>
-      </p:pic>
-      <p:pic>
-        <p:nvPicPr>
-          <p:cNvPr id="14" name="Picture 13" descr="A picture containing bird&#10;&#10;Description automatically generated">
-            <a:extLst>
-              <a:ext uri="{FF2B5EF4-FFF2-40B4-BE49-F238E27FC236}">
-                <a16:creationId xmlns:a16="http://schemas.microsoft.com/office/drawing/2014/main" id="{8D988522-AE40-42EB-9E06-62B89CD4C91D}"/>
-              </a:ext>
-            </a:extLst>
-          </p:cNvPr>
-          <p:cNvPicPr>
-            <a:picLocks noChangeAspect="1"/>
-          </p:cNvPicPr>
-          <p:nvPr/>
-        </p:nvPicPr>
-        <p:blipFill>
-          <a:blip r:embed="rId6"/>
-          <a:stretch>
-            <a:fillRect/>
-          </a:stretch>
-        </p:blipFill>
-        <p:spPr>
-          <a:xfrm>
-            <a:off x="2679408" y="3144506"/>
-            <a:ext cx="1978424" cy="2618875"/>
+            <a:off x="4787689" y="3590366"/>
+            <a:ext cx="1508861" cy="2200572"/>
           </a:xfrm>
           <a:prstGeom prst="rect">
             <a:avLst/>
@@ -14733,7 +15048,7 @@
     </p:spTree>
     <p:extLst>
       <p:ext uri="{BB962C8B-B14F-4D97-AF65-F5344CB8AC3E}">
-        <p14:creationId xmlns:p14="http://schemas.microsoft.com/office/powerpoint/2010/main" val="3907292660"/>
+        <p14:creationId xmlns:p14="http://schemas.microsoft.com/office/powerpoint/2010/main" val="2471880940"/>
       </p:ext>
     </p:extLst>
   </p:cSld>
@@ -15568,20 +15883,20 @@
 </file>
 
 <file path=customXml/item1.xml><?xml version="1.0" encoding="utf-8"?>
+<p:properties xmlns:p="http://schemas.microsoft.com/office/2006/metadata/properties" xmlns:xsi="http://www.w3.org/2001/XMLSchema-instance" xmlns:pc="http://schemas.microsoft.com/office/infopath/2007/PartnerControls">
+  <documentManagement>
+    <MediaServiceKeyPoints xmlns="71af3243-3dd4-4a8d-8c0d-dd76da1f02a5" xsi:nil="true"/>
+  </documentManagement>
+</p:properties>
+</file>
+
+<file path=customXml/item2.xml><?xml version="1.0" encoding="utf-8"?>
 <?mso-contentType ?>
 <FormTemplates xmlns="http://schemas.microsoft.com/sharepoint/v3/contenttype/forms">
   <Display>DocumentLibraryForm</Display>
   <Edit>DocumentLibraryForm</Edit>
   <New>DocumentLibraryForm</New>
 </FormTemplates>
-</file>
-
-<file path=customXml/item2.xml><?xml version="1.0" encoding="utf-8"?>
-<p:properties xmlns:p="http://schemas.microsoft.com/office/2006/metadata/properties" xmlns:xsi="http://www.w3.org/2001/XMLSchema-instance" xmlns:pc="http://schemas.microsoft.com/office/infopath/2007/PartnerControls">
-  <documentManagement>
-    <MediaServiceKeyPoints xmlns="71af3243-3dd4-4a8d-8c0d-dd76da1f02a5" xsi:nil="true"/>
-  </documentManagement>
-</p:properties>
 </file>
 
 <file path=customXml/item3.xml><?xml version="1.0" encoding="utf-8"?>
@@ -15796,19 +16111,19 @@
 </file>
 
 <file path=customXml/itemProps1.xml><?xml version="1.0" encoding="utf-8"?>
-<ds:datastoreItem xmlns:ds="http://schemas.openxmlformats.org/officeDocument/2006/customXml" ds:itemID="{47323504-CBC8-4A2F-BF86-8DF0D94D4A3D}">
+<ds:datastoreItem xmlns:ds="http://schemas.openxmlformats.org/officeDocument/2006/customXml" ds:itemID="{96100F67-BC3D-46B4-8D39-802DC9D7F2EB}">
   <ds:schemaRefs>
-    <ds:schemaRef ds:uri="http://schemas.microsoft.com/sharepoint/v3/contenttype/forms"/>
+    <ds:schemaRef ds:uri="http://schemas.microsoft.com/office/2006/metadata/properties"/>
+    <ds:schemaRef ds:uri="http://schemas.microsoft.com/office/infopath/2007/PartnerControls"/>
+    <ds:schemaRef ds:uri="71af3243-3dd4-4a8d-8c0d-dd76da1f02a5"/>
   </ds:schemaRefs>
 </ds:datastoreItem>
 </file>
 
 <file path=customXml/itemProps2.xml><?xml version="1.0" encoding="utf-8"?>
-<ds:datastoreItem xmlns:ds="http://schemas.openxmlformats.org/officeDocument/2006/customXml" ds:itemID="{96100F67-BC3D-46B4-8D39-802DC9D7F2EB}">
+<ds:datastoreItem xmlns:ds="http://schemas.openxmlformats.org/officeDocument/2006/customXml" ds:itemID="{47323504-CBC8-4A2F-BF86-8DF0D94D4A3D}">
   <ds:schemaRefs>
-    <ds:schemaRef ds:uri="http://schemas.microsoft.com/office/2006/metadata/properties"/>
-    <ds:schemaRef ds:uri="http://schemas.microsoft.com/office/infopath/2007/PartnerControls"/>
-    <ds:schemaRef ds:uri="71af3243-3dd4-4a8d-8c0d-dd76da1f02a5"/>
+    <ds:schemaRef ds:uri="http://schemas.microsoft.com/sharepoint/v3/contenttype/forms"/>
   </ds:schemaRefs>
 </ds:datastoreItem>
 </file>
